--- a/presentations/WEST_IC_week36.pptx
+++ b/presentations/WEST_IC_week36.pptx
@@ -7,19 +7,20 @@
     <p:sldMasterId id="2147483724" r:id="rId6"/>
   </p:sldMasterIdLst>
   <p:notesMasterIdLst>
-    <p:notesMasterId r:id="rId14"/>
+    <p:notesMasterId r:id="rId15"/>
   </p:notesMasterIdLst>
   <p:handoutMasterIdLst>
-    <p:handoutMasterId r:id="rId15"/>
+    <p:handoutMasterId r:id="rId16"/>
   </p:handoutMasterIdLst>
   <p:sldIdLst>
     <p:sldId id="273" r:id="rId7"/>
     <p:sldId id="278" r:id="rId8"/>
-    <p:sldId id="275" r:id="rId9"/>
-    <p:sldId id="274" r:id="rId10"/>
-    <p:sldId id="276" r:id="rId11"/>
-    <p:sldId id="279" r:id="rId12"/>
-    <p:sldId id="277" r:id="rId13"/>
+    <p:sldId id="280" r:id="rId9"/>
+    <p:sldId id="275" r:id="rId10"/>
+    <p:sldId id="274" r:id="rId11"/>
+    <p:sldId id="276" r:id="rId12"/>
+    <p:sldId id="279" r:id="rId13"/>
+    <p:sldId id="277" r:id="rId14"/>
   </p:sldIdLst>
   <p:sldSz cx="9144000" cy="6858000" type="screen4x3"/>
   <p:notesSz cx="7099300" cy="10234613"/>
@@ -120,7 +121,7 @@
   </p:defaultTextStyle>
   <p:extLst>
     <p:ext uri="{EFAFB233-063F-42B5-8137-9DF3F51BA10A}">
-      <p15:sldGuideLst xmlns:p15="http://schemas.microsoft.com/office/powerpoint/2012/main" xmlns="">
+      <p15:sldGuideLst xmlns="" xmlns:p15="http://schemas.microsoft.com/office/powerpoint/2012/main">
         <p15:guide id="1" orient="horz" pos="1620" userDrawn="1">
           <p15:clr>
             <a:srgbClr val="A4A3A4"/>
@@ -194,7 +195,7 @@
       </p15:sldGuideLst>
     </p:ext>
     <p:ext uri="{2D200454-40CA-4A62-9FC3-DE9A4176ACB9}">
-      <p15:notesGuideLst xmlns:p15="http://schemas.microsoft.com/office/powerpoint/2012/main" xmlns="">
+      <p15:notesGuideLst xmlns="" xmlns:p15="http://schemas.microsoft.com/office/powerpoint/2012/main">
         <p15:guide id="1" orient="horz" pos="3224" userDrawn="1">
           <p15:clr>
             <a:srgbClr val="A4A3A4"/>
@@ -293,7 +294,7 @@
           <a:p>
             <a:fld id="{F481E118-1CEA-43E8-BD51-A8A2CBD62889}" type="datetimeFigureOut">
               <a:rPr lang="fr-FR" smtClean="0"/>
-              <a:t>09/09/2019</a:t>
+              <a:t>11/09/2019</a:t>
             </a:fld>
             <a:endParaRPr lang="fr-FR"/>
           </a:p>
@@ -458,7 +459,7 @@
           <a:p>
             <a:fld id="{F0389419-4E28-4B58-9AA2-383238311FDA}" type="datetimeFigureOut">
               <a:rPr lang="fr-FR" smtClean="0"/>
-              <a:t>09/09/2019</a:t>
+              <a:t>11/09/2019</a:t>
             </a:fld>
             <a:endParaRPr lang="fr-FR"/>
           </a:p>
@@ -1047,7 +1048,7 @@
             <a:pPr lvl="0"/>
             <a:fld id="{ED1C4103-FF01-4613-BB77-A54429AC18D2}" type="datetime4">
               <a:rPr lang="fr-FR" noProof="0" smtClean="0"/>
-              <a:t>9 septembre 2019</a:t>
+              <a:t>11 septembre 2019</a:t>
             </a:fld>
             <a:endParaRPr lang="fr-FR" noProof="0" dirty="0"/>
           </a:p>
@@ -1128,7 +1129,7 @@
           <p:cNvPr id="2" name="Titre 1">
             <a:extLst>
               <a:ext uri="{FF2B5EF4-FFF2-40B4-BE49-F238E27FC236}">
-                <a16:creationId xmlns:a16="http://schemas.microsoft.com/office/drawing/2014/main" xmlns="" id="{9CDDA024-CC5C-49D4-9EDE-B13C9CE4F869}"/>
+                <a16:creationId xmlns="" xmlns:a16="http://schemas.microsoft.com/office/drawing/2014/main" id="{9CDDA024-CC5C-49D4-9EDE-B13C9CE4F869}"/>
               </a:ext>
             </a:extLst>
           </p:cNvPr>
@@ -1157,7 +1158,7 @@
           <p:cNvPr id="3" name="Espace réservé du numéro de diapositive 2">
             <a:extLst>
               <a:ext uri="{FF2B5EF4-FFF2-40B4-BE49-F238E27FC236}">
-                <a16:creationId xmlns:a16="http://schemas.microsoft.com/office/drawing/2014/main" xmlns="" id="{76952101-6F0D-4470-B900-D7C009A8362C}"/>
+                <a16:creationId xmlns="" xmlns:a16="http://schemas.microsoft.com/office/drawing/2014/main" id="{76952101-6F0D-4470-B900-D7C009A8362C}"/>
               </a:ext>
             </a:extLst>
           </p:cNvPr>
@@ -1201,7 +1202,7 @@
           <p:cNvPr id="5" name="Espace réservé pour une image  4">
             <a:extLst>
               <a:ext uri="{FF2B5EF4-FFF2-40B4-BE49-F238E27FC236}">
-                <a16:creationId xmlns:a16="http://schemas.microsoft.com/office/drawing/2014/main" xmlns="" id="{60769C5C-EDFB-44C6-A754-7FD9C1B5A1AC}"/>
+                <a16:creationId xmlns="" xmlns:a16="http://schemas.microsoft.com/office/drawing/2014/main" id="{60769C5C-EDFB-44C6-A754-7FD9C1B5A1AC}"/>
               </a:ext>
             </a:extLst>
           </p:cNvPr>
@@ -1235,7 +1236,7 @@
           <p:cNvPr id="6" name="Espace réservé pour une image  4">
             <a:extLst>
               <a:ext uri="{FF2B5EF4-FFF2-40B4-BE49-F238E27FC236}">
-                <a16:creationId xmlns:a16="http://schemas.microsoft.com/office/drawing/2014/main" xmlns="" id="{CE83B8F1-3CFD-4C6F-B77B-684EE09D6FEC}"/>
+                <a16:creationId xmlns="" xmlns:a16="http://schemas.microsoft.com/office/drawing/2014/main" id="{CE83B8F1-3CFD-4C6F-B77B-684EE09D6FEC}"/>
               </a:ext>
             </a:extLst>
           </p:cNvPr>
@@ -1269,7 +1270,7 @@
           <p:cNvPr id="8" name="Espace réservé du texte 7">
             <a:extLst>
               <a:ext uri="{FF2B5EF4-FFF2-40B4-BE49-F238E27FC236}">
-                <a16:creationId xmlns:a16="http://schemas.microsoft.com/office/drawing/2014/main" xmlns="" id="{81F07BDA-5AB0-410C-A329-8C06350E1EDE}"/>
+                <a16:creationId xmlns="" xmlns:a16="http://schemas.microsoft.com/office/drawing/2014/main" id="{81F07BDA-5AB0-410C-A329-8C06350E1EDE}"/>
               </a:ext>
             </a:extLst>
           </p:cNvPr>
@@ -1321,7 +1322,7 @@
           <p:cNvPr id="10" name="Connecteur droit 9">
             <a:extLst>
               <a:ext uri="{FF2B5EF4-FFF2-40B4-BE49-F238E27FC236}">
-                <a16:creationId xmlns:a16="http://schemas.microsoft.com/office/drawing/2014/main" xmlns="" id="{F95E4514-E62C-42B5-BE1E-5F1CD3D2A789}"/>
+                <a16:creationId xmlns="" xmlns:a16="http://schemas.microsoft.com/office/drawing/2014/main" id="{F95E4514-E62C-42B5-BE1E-5F1CD3D2A789}"/>
               </a:ext>
             </a:extLst>
           </p:cNvPr>
@@ -1362,7 +1363,7 @@
           <p:cNvPr id="11" name="Espace réservé du texte 7">
             <a:extLst>
               <a:ext uri="{FF2B5EF4-FFF2-40B4-BE49-F238E27FC236}">
-                <a16:creationId xmlns:a16="http://schemas.microsoft.com/office/drawing/2014/main" xmlns="" id="{5C946E34-2083-434D-8404-8F5AEE71F02C}"/>
+                <a16:creationId xmlns="" xmlns:a16="http://schemas.microsoft.com/office/drawing/2014/main" id="{5C946E34-2083-434D-8404-8F5AEE71F02C}"/>
               </a:ext>
             </a:extLst>
           </p:cNvPr>
@@ -1414,7 +1415,7 @@
           <p:cNvPr id="12" name="Connecteur droit 11">
             <a:extLst>
               <a:ext uri="{FF2B5EF4-FFF2-40B4-BE49-F238E27FC236}">
-                <a16:creationId xmlns:a16="http://schemas.microsoft.com/office/drawing/2014/main" xmlns="" id="{6653795C-036F-4780-863C-5F5B75D45AC9}"/>
+                <a16:creationId xmlns="" xmlns:a16="http://schemas.microsoft.com/office/drawing/2014/main" id="{6653795C-036F-4780-863C-5F5B75D45AC9}"/>
               </a:ext>
             </a:extLst>
           </p:cNvPr>
@@ -1455,7 +1456,7 @@
           <p:cNvPr id="13" name="Espace réservé pour une image  4">
             <a:extLst>
               <a:ext uri="{FF2B5EF4-FFF2-40B4-BE49-F238E27FC236}">
-                <a16:creationId xmlns:a16="http://schemas.microsoft.com/office/drawing/2014/main" xmlns="" id="{6076C443-2E06-4281-8B05-53A67256EEBA}"/>
+                <a16:creationId xmlns="" xmlns:a16="http://schemas.microsoft.com/office/drawing/2014/main" id="{6076C443-2E06-4281-8B05-53A67256EEBA}"/>
               </a:ext>
             </a:extLst>
           </p:cNvPr>
@@ -1489,7 +1490,7 @@
           <p:cNvPr id="14" name="Espace réservé pour une image  4">
             <a:extLst>
               <a:ext uri="{FF2B5EF4-FFF2-40B4-BE49-F238E27FC236}">
-                <a16:creationId xmlns:a16="http://schemas.microsoft.com/office/drawing/2014/main" xmlns="" id="{AAFC24E1-75A5-4390-A26C-B3DE9FF20EE3}"/>
+                <a16:creationId xmlns="" xmlns:a16="http://schemas.microsoft.com/office/drawing/2014/main" id="{AAFC24E1-75A5-4390-A26C-B3DE9FF20EE3}"/>
               </a:ext>
             </a:extLst>
           </p:cNvPr>
@@ -1523,7 +1524,7 @@
           <p:cNvPr id="15" name="Espace réservé du texte 7">
             <a:extLst>
               <a:ext uri="{FF2B5EF4-FFF2-40B4-BE49-F238E27FC236}">
-                <a16:creationId xmlns:a16="http://schemas.microsoft.com/office/drawing/2014/main" xmlns="" id="{67AD350B-6F89-4863-9328-41F1D93BBC1F}"/>
+                <a16:creationId xmlns="" xmlns:a16="http://schemas.microsoft.com/office/drawing/2014/main" id="{67AD350B-6F89-4863-9328-41F1D93BBC1F}"/>
               </a:ext>
             </a:extLst>
           </p:cNvPr>
@@ -1575,7 +1576,7 @@
           <p:cNvPr id="16" name="Connecteur droit 15">
             <a:extLst>
               <a:ext uri="{FF2B5EF4-FFF2-40B4-BE49-F238E27FC236}">
-                <a16:creationId xmlns:a16="http://schemas.microsoft.com/office/drawing/2014/main" xmlns="" id="{7B1C8393-42C9-4E5B-B22A-7A1C80B3392B}"/>
+                <a16:creationId xmlns="" xmlns:a16="http://schemas.microsoft.com/office/drawing/2014/main" id="{7B1C8393-42C9-4E5B-B22A-7A1C80B3392B}"/>
               </a:ext>
             </a:extLst>
           </p:cNvPr>
@@ -1616,7 +1617,7 @@
           <p:cNvPr id="17" name="Espace réservé du texte 7">
             <a:extLst>
               <a:ext uri="{FF2B5EF4-FFF2-40B4-BE49-F238E27FC236}">
-                <a16:creationId xmlns:a16="http://schemas.microsoft.com/office/drawing/2014/main" xmlns="" id="{EADC8B10-F914-44B6-855C-77AEF500D416}"/>
+                <a16:creationId xmlns="" xmlns:a16="http://schemas.microsoft.com/office/drawing/2014/main" id="{EADC8B10-F914-44B6-855C-77AEF500D416}"/>
               </a:ext>
             </a:extLst>
           </p:cNvPr>
@@ -1668,7 +1669,7 @@
           <p:cNvPr id="18" name="Connecteur droit 17">
             <a:extLst>
               <a:ext uri="{FF2B5EF4-FFF2-40B4-BE49-F238E27FC236}">
-                <a16:creationId xmlns:a16="http://schemas.microsoft.com/office/drawing/2014/main" xmlns="" id="{6674119E-EE06-45F8-B404-7D969C8F47C0}"/>
+                <a16:creationId xmlns="" xmlns:a16="http://schemas.microsoft.com/office/drawing/2014/main" id="{6674119E-EE06-45F8-B404-7D969C8F47C0}"/>
               </a:ext>
             </a:extLst>
           </p:cNvPr>
@@ -1709,7 +1710,7 @@
           <p:cNvPr id="19" name="Espace réservé pour une image  4">
             <a:extLst>
               <a:ext uri="{FF2B5EF4-FFF2-40B4-BE49-F238E27FC236}">
-                <a16:creationId xmlns:a16="http://schemas.microsoft.com/office/drawing/2014/main" xmlns="" id="{2E8B88C5-9DD3-4342-8110-493B6A4046ED}"/>
+                <a16:creationId xmlns="" xmlns:a16="http://schemas.microsoft.com/office/drawing/2014/main" id="{2E8B88C5-9DD3-4342-8110-493B6A4046ED}"/>
               </a:ext>
             </a:extLst>
           </p:cNvPr>
@@ -1743,7 +1744,7 @@
           <p:cNvPr id="20" name="Espace réservé pour une image  4">
             <a:extLst>
               <a:ext uri="{FF2B5EF4-FFF2-40B4-BE49-F238E27FC236}">
-                <a16:creationId xmlns:a16="http://schemas.microsoft.com/office/drawing/2014/main" xmlns="" id="{11DFD99F-CCC2-490B-9103-83A0C7B5BF9E}"/>
+                <a16:creationId xmlns="" xmlns:a16="http://schemas.microsoft.com/office/drawing/2014/main" id="{11DFD99F-CCC2-490B-9103-83A0C7B5BF9E}"/>
               </a:ext>
             </a:extLst>
           </p:cNvPr>
@@ -1777,7 +1778,7 @@
           <p:cNvPr id="21" name="Espace réservé du texte 7">
             <a:extLst>
               <a:ext uri="{FF2B5EF4-FFF2-40B4-BE49-F238E27FC236}">
-                <a16:creationId xmlns:a16="http://schemas.microsoft.com/office/drawing/2014/main" xmlns="" id="{105DF51F-34C2-49EC-92D0-D81C49BE61DF}"/>
+                <a16:creationId xmlns="" xmlns:a16="http://schemas.microsoft.com/office/drawing/2014/main" id="{105DF51F-34C2-49EC-92D0-D81C49BE61DF}"/>
               </a:ext>
             </a:extLst>
           </p:cNvPr>
@@ -1829,7 +1830,7 @@
           <p:cNvPr id="22" name="Connecteur droit 21">
             <a:extLst>
               <a:ext uri="{FF2B5EF4-FFF2-40B4-BE49-F238E27FC236}">
-                <a16:creationId xmlns:a16="http://schemas.microsoft.com/office/drawing/2014/main" xmlns="" id="{A75A8DBD-F5B7-405E-B653-6D5F7E42EB8D}"/>
+                <a16:creationId xmlns="" xmlns:a16="http://schemas.microsoft.com/office/drawing/2014/main" id="{A75A8DBD-F5B7-405E-B653-6D5F7E42EB8D}"/>
               </a:ext>
             </a:extLst>
           </p:cNvPr>
@@ -1870,7 +1871,7 @@
           <p:cNvPr id="23" name="Espace réservé du texte 7">
             <a:extLst>
               <a:ext uri="{FF2B5EF4-FFF2-40B4-BE49-F238E27FC236}">
-                <a16:creationId xmlns:a16="http://schemas.microsoft.com/office/drawing/2014/main" xmlns="" id="{A402FF8C-DB59-4608-B517-7FD56431411A}"/>
+                <a16:creationId xmlns="" xmlns:a16="http://schemas.microsoft.com/office/drawing/2014/main" id="{A402FF8C-DB59-4608-B517-7FD56431411A}"/>
               </a:ext>
             </a:extLst>
           </p:cNvPr>
@@ -1922,7 +1923,7 @@
           <p:cNvPr id="24" name="Connecteur droit 23">
             <a:extLst>
               <a:ext uri="{FF2B5EF4-FFF2-40B4-BE49-F238E27FC236}">
-                <a16:creationId xmlns:a16="http://schemas.microsoft.com/office/drawing/2014/main" xmlns="" id="{7D552D8A-671C-4599-8FC0-D56624B966E2}"/>
+                <a16:creationId xmlns="" xmlns:a16="http://schemas.microsoft.com/office/drawing/2014/main" id="{7D552D8A-671C-4599-8FC0-D56624B966E2}"/>
               </a:ext>
             </a:extLst>
           </p:cNvPr>
@@ -1963,7 +1964,7 @@
           <p:cNvPr id="25" name="Espace réservé pour une image  4">
             <a:extLst>
               <a:ext uri="{FF2B5EF4-FFF2-40B4-BE49-F238E27FC236}">
-                <a16:creationId xmlns:a16="http://schemas.microsoft.com/office/drawing/2014/main" xmlns="" id="{979E6621-7EBD-4E8A-9D3F-98667422C622}"/>
+                <a16:creationId xmlns="" xmlns:a16="http://schemas.microsoft.com/office/drawing/2014/main" id="{979E6621-7EBD-4E8A-9D3F-98667422C622}"/>
               </a:ext>
             </a:extLst>
           </p:cNvPr>
@@ -1997,7 +1998,7 @@
           <p:cNvPr id="26" name="Espace réservé pour une image  4">
             <a:extLst>
               <a:ext uri="{FF2B5EF4-FFF2-40B4-BE49-F238E27FC236}">
-                <a16:creationId xmlns:a16="http://schemas.microsoft.com/office/drawing/2014/main" xmlns="" id="{4EB9FABD-311A-46B5-803C-4468714878B6}"/>
+                <a16:creationId xmlns="" xmlns:a16="http://schemas.microsoft.com/office/drawing/2014/main" id="{4EB9FABD-311A-46B5-803C-4468714878B6}"/>
               </a:ext>
             </a:extLst>
           </p:cNvPr>
@@ -2031,7 +2032,7 @@
           <p:cNvPr id="27" name="Espace réservé du texte 7">
             <a:extLst>
               <a:ext uri="{FF2B5EF4-FFF2-40B4-BE49-F238E27FC236}">
-                <a16:creationId xmlns:a16="http://schemas.microsoft.com/office/drawing/2014/main" xmlns="" id="{B039882E-C7D2-4A10-8D17-525FEF966617}"/>
+                <a16:creationId xmlns="" xmlns:a16="http://schemas.microsoft.com/office/drawing/2014/main" id="{B039882E-C7D2-4A10-8D17-525FEF966617}"/>
               </a:ext>
             </a:extLst>
           </p:cNvPr>
@@ -2083,7 +2084,7 @@
           <p:cNvPr id="28" name="Connecteur droit 27">
             <a:extLst>
               <a:ext uri="{FF2B5EF4-FFF2-40B4-BE49-F238E27FC236}">
-                <a16:creationId xmlns:a16="http://schemas.microsoft.com/office/drawing/2014/main" xmlns="" id="{40312D7E-F5FE-4ADB-8526-4D9ED88C5C15}"/>
+                <a16:creationId xmlns="" xmlns:a16="http://schemas.microsoft.com/office/drawing/2014/main" id="{40312D7E-F5FE-4ADB-8526-4D9ED88C5C15}"/>
               </a:ext>
             </a:extLst>
           </p:cNvPr>
@@ -2124,7 +2125,7 @@
           <p:cNvPr id="29" name="Espace réservé du texte 7">
             <a:extLst>
               <a:ext uri="{FF2B5EF4-FFF2-40B4-BE49-F238E27FC236}">
-                <a16:creationId xmlns:a16="http://schemas.microsoft.com/office/drawing/2014/main" xmlns="" id="{6AD72B51-7D15-4502-B762-932C85FC8940}"/>
+                <a16:creationId xmlns="" xmlns:a16="http://schemas.microsoft.com/office/drawing/2014/main" id="{6AD72B51-7D15-4502-B762-932C85FC8940}"/>
               </a:ext>
             </a:extLst>
           </p:cNvPr>
@@ -2176,7 +2177,7 @@
           <p:cNvPr id="30" name="Connecteur droit 29">
             <a:extLst>
               <a:ext uri="{FF2B5EF4-FFF2-40B4-BE49-F238E27FC236}">
-                <a16:creationId xmlns:a16="http://schemas.microsoft.com/office/drawing/2014/main" xmlns="" id="{13D9F259-C0D9-40E4-B155-CD1D47C48F43}"/>
+                <a16:creationId xmlns="" xmlns:a16="http://schemas.microsoft.com/office/drawing/2014/main" id="{13D9F259-C0D9-40E4-B155-CD1D47C48F43}"/>
               </a:ext>
             </a:extLst>
           </p:cNvPr>
@@ -3298,7 +3299,7 @@
             <a:pPr lvl="0"/>
             <a:fld id="{B5559CBA-976B-4265-9B41-694881203DBF}" type="datetime4">
               <a:rPr lang="fr-FR" noProof="0" smtClean="0"/>
-              <a:t>9 septembre 2019</a:t>
+              <a:t>11 septembre 2019</a:t>
             </a:fld>
             <a:endParaRPr lang="fr-FR" noProof="0" dirty="0"/>
           </a:p>
@@ -3978,7 +3979,7 @@
           <p:cNvPr id="2" name="Titre 1">
             <a:extLst>
               <a:ext uri="{FF2B5EF4-FFF2-40B4-BE49-F238E27FC236}">
-                <a16:creationId xmlns:a16="http://schemas.microsoft.com/office/drawing/2014/main" xmlns="" id="{9BDD946C-1F13-4F67-B8D1-64EF5CF71ABB}"/>
+                <a16:creationId xmlns="" xmlns:a16="http://schemas.microsoft.com/office/drawing/2014/main" id="{9BDD946C-1F13-4F67-B8D1-64EF5CF71ABB}"/>
               </a:ext>
             </a:extLst>
           </p:cNvPr>
@@ -4006,7 +4007,7 @@
           <p:cNvPr id="3" name="Espace réservé du numéro de diapositive 2">
             <a:extLst>
               <a:ext uri="{FF2B5EF4-FFF2-40B4-BE49-F238E27FC236}">
-                <a16:creationId xmlns:a16="http://schemas.microsoft.com/office/drawing/2014/main" xmlns="" id="{DC37902D-B358-44BD-9A3B-CD8E2882EA2D}"/>
+                <a16:creationId xmlns="" xmlns:a16="http://schemas.microsoft.com/office/drawing/2014/main" id="{DC37902D-B358-44BD-9A3B-CD8E2882EA2D}"/>
               </a:ext>
             </a:extLst>
           </p:cNvPr>
@@ -4050,7 +4051,7 @@
           <p:cNvPr id="4" name="Image 3">
             <a:extLst>
               <a:ext uri="{FF2B5EF4-FFF2-40B4-BE49-F238E27FC236}">
-                <a16:creationId xmlns:a16="http://schemas.microsoft.com/office/drawing/2014/main" xmlns="" id="{187ADA7C-03B8-49D0-A935-DE3625BD6FA7}"/>
+                <a16:creationId xmlns="" xmlns:a16="http://schemas.microsoft.com/office/drawing/2014/main" id="{187ADA7C-03B8-49D0-A935-DE3625BD6FA7}"/>
               </a:ext>
             </a:extLst>
           </p:cNvPr>
@@ -4086,7 +4087,7 @@
           <p:cNvPr id="15" name="Titre 4">
             <a:extLst>
               <a:ext uri="{FF2B5EF4-FFF2-40B4-BE49-F238E27FC236}">
-                <a16:creationId xmlns:a16="http://schemas.microsoft.com/office/drawing/2014/main" xmlns="" id="{72E9C4E7-2BF2-4AB8-9707-825FA5757113}"/>
+                <a16:creationId xmlns="" xmlns:a16="http://schemas.microsoft.com/office/drawing/2014/main" id="{72E9C4E7-2BF2-4AB8-9707-825FA5757113}"/>
               </a:ext>
             </a:extLst>
           </p:cNvPr>
@@ -4142,7 +4143,7 @@
           <p:cNvPr id="19" name="Espace réservé du contenu 18">
             <a:extLst>
               <a:ext uri="{FF2B5EF4-FFF2-40B4-BE49-F238E27FC236}">
-                <a16:creationId xmlns:a16="http://schemas.microsoft.com/office/drawing/2014/main" xmlns="" id="{E6D00721-9CE1-4CF1-AD6A-47E2B8CCCC48}"/>
+                <a16:creationId xmlns="" xmlns:a16="http://schemas.microsoft.com/office/drawing/2014/main" id="{E6D00721-9CE1-4CF1-AD6A-47E2B8CCCC48}"/>
               </a:ext>
             </a:extLst>
           </p:cNvPr>
@@ -4838,7 +4839,7 @@
             <a:pPr lvl="0"/>
             <a:fld id="{B5559CBA-976B-4265-9B41-694881203DBF}" type="datetime4">
               <a:rPr lang="fr-FR" noProof="0" smtClean="0"/>
-              <a:t>9 septembre 2019</a:t>
+              <a:t>11 septembre 2019</a:t>
             </a:fld>
             <a:endParaRPr lang="fr-FR" noProof="0" dirty="0"/>
           </a:p>
@@ -5575,7 +5576,7 @@
             <a:pPr lvl="0"/>
             <a:fld id="{B5559CBA-976B-4265-9B41-694881203DBF}" type="datetime4">
               <a:rPr lang="fr-FR" noProof="0" smtClean="0"/>
-              <a:t>9 septembre 2019</a:t>
+              <a:t>11 septembre 2019</a:t>
             </a:fld>
             <a:endParaRPr lang="fr-FR" noProof="0" dirty="0"/>
           </a:p>
@@ -5956,7 +5957,7 @@
           <p:cNvPr id="2" name="Titre 1">
             <a:extLst>
               <a:ext uri="{FF2B5EF4-FFF2-40B4-BE49-F238E27FC236}">
-                <a16:creationId xmlns:a16="http://schemas.microsoft.com/office/drawing/2014/main" xmlns="" id="{9BDD946C-1F13-4F67-B8D1-64EF5CF71ABB}"/>
+                <a16:creationId xmlns="" xmlns:a16="http://schemas.microsoft.com/office/drawing/2014/main" id="{9BDD946C-1F13-4F67-B8D1-64EF5CF71ABB}"/>
               </a:ext>
             </a:extLst>
           </p:cNvPr>
@@ -5984,7 +5985,7 @@
           <p:cNvPr id="3" name="Espace réservé du numéro de diapositive 2">
             <a:extLst>
               <a:ext uri="{FF2B5EF4-FFF2-40B4-BE49-F238E27FC236}">
-                <a16:creationId xmlns:a16="http://schemas.microsoft.com/office/drawing/2014/main" xmlns="" id="{DC37902D-B358-44BD-9A3B-CD8E2882EA2D}"/>
+                <a16:creationId xmlns="" xmlns:a16="http://schemas.microsoft.com/office/drawing/2014/main" id="{DC37902D-B358-44BD-9A3B-CD8E2882EA2D}"/>
               </a:ext>
             </a:extLst>
           </p:cNvPr>
@@ -6028,7 +6029,7 @@
           <p:cNvPr id="4" name="Image 3">
             <a:extLst>
               <a:ext uri="{FF2B5EF4-FFF2-40B4-BE49-F238E27FC236}">
-                <a16:creationId xmlns:a16="http://schemas.microsoft.com/office/drawing/2014/main" xmlns="" id="{187ADA7C-03B8-49D0-A935-DE3625BD6FA7}"/>
+                <a16:creationId xmlns="" xmlns:a16="http://schemas.microsoft.com/office/drawing/2014/main" id="{187ADA7C-03B8-49D0-A935-DE3625BD6FA7}"/>
               </a:ext>
             </a:extLst>
           </p:cNvPr>
@@ -6064,7 +6065,7 @@
           <p:cNvPr id="15" name="Titre 4">
             <a:extLst>
               <a:ext uri="{FF2B5EF4-FFF2-40B4-BE49-F238E27FC236}">
-                <a16:creationId xmlns:a16="http://schemas.microsoft.com/office/drawing/2014/main" xmlns="" id="{72E9C4E7-2BF2-4AB8-9707-825FA5757113}"/>
+                <a16:creationId xmlns="" xmlns:a16="http://schemas.microsoft.com/office/drawing/2014/main" id="{72E9C4E7-2BF2-4AB8-9707-825FA5757113}"/>
               </a:ext>
             </a:extLst>
           </p:cNvPr>
@@ -6120,7 +6121,7 @@
           <p:cNvPr id="19" name="Espace réservé du contenu 18">
             <a:extLst>
               <a:ext uri="{FF2B5EF4-FFF2-40B4-BE49-F238E27FC236}">
-                <a16:creationId xmlns:a16="http://schemas.microsoft.com/office/drawing/2014/main" xmlns="" id="{E6D00721-9CE1-4CF1-AD6A-47E2B8CCCC48}"/>
+                <a16:creationId xmlns="" xmlns:a16="http://schemas.microsoft.com/office/drawing/2014/main" id="{E6D00721-9CE1-4CF1-AD6A-47E2B8CCCC48}"/>
               </a:ext>
             </a:extLst>
           </p:cNvPr>
@@ -7193,7 +7194,7 @@
           <p:cNvPr id="2" name="Titre 1">
             <a:extLst>
               <a:ext uri="{FF2B5EF4-FFF2-40B4-BE49-F238E27FC236}">
-                <a16:creationId xmlns:a16="http://schemas.microsoft.com/office/drawing/2014/main" xmlns="" id="{48A0520F-F2B4-4144-B2A0-D31492DE5858}"/>
+                <a16:creationId xmlns="" xmlns:a16="http://schemas.microsoft.com/office/drawing/2014/main" id="{48A0520F-F2B4-4144-B2A0-D31492DE5858}"/>
               </a:ext>
             </a:extLst>
           </p:cNvPr>
@@ -7222,7 +7223,7 @@
           <p:cNvPr id="3" name="Espace réservé du numéro de diapositive 2">
             <a:extLst>
               <a:ext uri="{FF2B5EF4-FFF2-40B4-BE49-F238E27FC236}">
-                <a16:creationId xmlns:a16="http://schemas.microsoft.com/office/drawing/2014/main" xmlns="" id="{990C283F-3F6C-463B-B6FF-C5A1120E751C}"/>
+                <a16:creationId xmlns="" xmlns:a16="http://schemas.microsoft.com/office/drawing/2014/main" id="{990C283F-3F6C-463B-B6FF-C5A1120E751C}"/>
               </a:ext>
             </a:extLst>
           </p:cNvPr>
@@ -7266,7 +7267,7 @@
           <p:cNvPr id="16" name="Image 15">
             <a:extLst>
               <a:ext uri="{FF2B5EF4-FFF2-40B4-BE49-F238E27FC236}">
-                <a16:creationId xmlns:a16="http://schemas.microsoft.com/office/drawing/2014/main" xmlns="" id="{EA0235D1-1CA4-4813-8F9E-8EA6F5F92450}"/>
+                <a16:creationId xmlns="" xmlns:a16="http://schemas.microsoft.com/office/drawing/2014/main" id="{EA0235D1-1CA4-4813-8F9E-8EA6F5F92450}"/>
               </a:ext>
             </a:extLst>
           </p:cNvPr>
@@ -7302,7 +7303,7 @@
           <p:cNvPr id="27" name="Titre 4">
             <a:extLst>
               <a:ext uri="{FF2B5EF4-FFF2-40B4-BE49-F238E27FC236}">
-                <a16:creationId xmlns:a16="http://schemas.microsoft.com/office/drawing/2014/main" xmlns="" id="{9EB6429C-6B7C-4EE1-B9DC-E41E0338FCE4}"/>
+                <a16:creationId xmlns="" xmlns:a16="http://schemas.microsoft.com/office/drawing/2014/main" id="{9EB6429C-6B7C-4EE1-B9DC-E41E0338FCE4}"/>
               </a:ext>
             </a:extLst>
           </p:cNvPr>
@@ -7358,7 +7359,7 @@
           <p:cNvPr id="29" name="Espace réservé pour une image  28">
             <a:extLst>
               <a:ext uri="{FF2B5EF4-FFF2-40B4-BE49-F238E27FC236}">
-                <a16:creationId xmlns:a16="http://schemas.microsoft.com/office/drawing/2014/main" xmlns="" id="{00B39465-DFB6-4F0B-AD93-34B67A43F556}"/>
+                <a16:creationId xmlns="" xmlns:a16="http://schemas.microsoft.com/office/drawing/2014/main" id="{00B39465-DFB6-4F0B-AD93-34B67A43F556}"/>
               </a:ext>
             </a:extLst>
           </p:cNvPr>
@@ -7392,7 +7393,7 @@
           <p:cNvPr id="31" name="Espace réservé pour une image  30">
             <a:extLst>
               <a:ext uri="{FF2B5EF4-FFF2-40B4-BE49-F238E27FC236}">
-                <a16:creationId xmlns:a16="http://schemas.microsoft.com/office/drawing/2014/main" xmlns="" id="{05215E8A-C584-469C-8777-F84DF88AD457}"/>
+                <a16:creationId xmlns="" xmlns:a16="http://schemas.microsoft.com/office/drawing/2014/main" id="{05215E8A-C584-469C-8777-F84DF88AD457}"/>
               </a:ext>
             </a:extLst>
           </p:cNvPr>
@@ -7426,7 +7427,7 @@
           <p:cNvPr id="33" name="Espace réservé pour une image  32">
             <a:extLst>
               <a:ext uri="{FF2B5EF4-FFF2-40B4-BE49-F238E27FC236}">
-                <a16:creationId xmlns:a16="http://schemas.microsoft.com/office/drawing/2014/main" xmlns="" id="{F295F236-0258-44BD-A085-BC26E990060E}"/>
+                <a16:creationId xmlns="" xmlns:a16="http://schemas.microsoft.com/office/drawing/2014/main" id="{F295F236-0258-44BD-A085-BC26E990060E}"/>
               </a:ext>
             </a:extLst>
           </p:cNvPr>
@@ -7460,7 +7461,7 @@
           <p:cNvPr id="35" name="Espace réservé pour une image  34">
             <a:extLst>
               <a:ext uri="{FF2B5EF4-FFF2-40B4-BE49-F238E27FC236}">
-                <a16:creationId xmlns:a16="http://schemas.microsoft.com/office/drawing/2014/main" xmlns="" id="{10F23775-F583-446B-ADBA-A32E31D6D2FB}"/>
+                <a16:creationId xmlns="" xmlns:a16="http://schemas.microsoft.com/office/drawing/2014/main" id="{10F23775-F583-446B-ADBA-A32E31D6D2FB}"/>
               </a:ext>
             </a:extLst>
           </p:cNvPr>
@@ -7494,7 +7495,7 @@
           <p:cNvPr id="37" name="Espace réservé pour une image  36">
             <a:extLst>
               <a:ext uri="{FF2B5EF4-FFF2-40B4-BE49-F238E27FC236}">
-                <a16:creationId xmlns:a16="http://schemas.microsoft.com/office/drawing/2014/main" xmlns="" id="{CBB53359-B79D-4793-A0BA-531D16C92DB5}"/>
+                <a16:creationId xmlns="" xmlns:a16="http://schemas.microsoft.com/office/drawing/2014/main" id="{CBB53359-B79D-4793-A0BA-531D16C92DB5}"/>
               </a:ext>
             </a:extLst>
           </p:cNvPr>
@@ -7528,7 +7529,7 @@
           <p:cNvPr id="39" name="Espace réservé pour une image  38">
             <a:extLst>
               <a:ext uri="{FF2B5EF4-FFF2-40B4-BE49-F238E27FC236}">
-                <a16:creationId xmlns:a16="http://schemas.microsoft.com/office/drawing/2014/main" xmlns="" id="{7629CC81-1DE8-42E7-8943-496B487C7A15}"/>
+                <a16:creationId xmlns="" xmlns:a16="http://schemas.microsoft.com/office/drawing/2014/main" id="{7629CC81-1DE8-42E7-8943-496B487C7A15}"/>
               </a:ext>
             </a:extLst>
           </p:cNvPr>
@@ -7562,7 +7563,7 @@
           <p:cNvPr id="41" name="Espace réservé pour une image  40">
             <a:extLst>
               <a:ext uri="{FF2B5EF4-FFF2-40B4-BE49-F238E27FC236}">
-                <a16:creationId xmlns:a16="http://schemas.microsoft.com/office/drawing/2014/main" xmlns="" id="{3D9A0616-6187-42B8-A49C-5704495AFA0F}"/>
+                <a16:creationId xmlns="" xmlns:a16="http://schemas.microsoft.com/office/drawing/2014/main" id="{3D9A0616-6187-42B8-A49C-5704495AFA0F}"/>
               </a:ext>
             </a:extLst>
           </p:cNvPr>
@@ -7596,7 +7597,7 @@
           <p:cNvPr id="43" name="Espace réservé pour une image  42">
             <a:extLst>
               <a:ext uri="{FF2B5EF4-FFF2-40B4-BE49-F238E27FC236}">
-                <a16:creationId xmlns:a16="http://schemas.microsoft.com/office/drawing/2014/main" xmlns="" id="{10BA3FEF-381F-4AA8-9215-136F5361141D}"/>
+                <a16:creationId xmlns="" xmlns:a16="http://schemas.microsoft.com/office/drawing/2014/main" id="{10BA3FEF-381F-4AA8-9215-136F5361141D}"/>
               </a:ext>
             </a:extLst>
           </p:cNvPr>
@@ -7630,7 +7631,7 @@
           <p:cNvPr id="45" name="Espace réservé pour une image  44">
             <a:extLst>
               <a:ext uri="{FF2B5EF4-FFF2-40B4-BE49-F238E27FC236}">
-                <a16:creationId xmlns:a16="http://schemas.microsoft.com/office/drawing/2014/main" xmlns="" id="{8FD27BC5-345B-4477-941A-3575E8185B4F}"/>
+                <a16:creationId xmlns="" xmlns:a16="http://schemas.microsoft.com/office/drawing/2014/main" id="{8FD27BC5-345B-4477-941A-3575E8185B4F}"/>
               </a:ext>
             </a:extLst>
           </p:cNvPr>
@@ -7694,7 +7695,7 @@
           <p:cNvPr id="2" name="Titre 1">
             <a:extLst>
               <a:ext uri="{FF2B5EF4-FFF2-40B4-BE49-F238E27FC236}">
-                <a16:creationId xmlns:a16="http://schemas.microsoft.com/office/drawing/2014/main" xmlns="" id="{9BDD946C-1F13-4F67-B8D1-64EF5CF71ABB}"/>
+                <a16:creationId xmlns="" xmlns:a16="http://schemas.microsoft.com/office/drawing/2014/main" id="{9BDD946C-1F13-4F67-B8D1-64EF5CF71ABB}"/>
               </a:ext>
             </a:extLst>
           </p:cNvPr>
@@ -7723,7 +7724,7 @@
           <p:cNvPr id="3" name="Espace réservé du numéro de diapositive 2">
             <a:extLst>
               <a:ext uri="{FF2B5EF4-FFF2-40B4-BE49-F238E27FC236}">
-                <a16:creationId xmlns:a16="http://schemas.microsoft.com/office/drawing/2014/main" xmlns="" id="{DC37902D-B358-44BD-9A3B-CD8E2882EA2D}"/>
+                <a16:creationId xmlns="" xmlns:a16="http://schemas.microsoft.com/office/drawing/2014/main" id="{DC37902D-B358-44BD-9A3B-CD8E2882EA2D}"/>
               </a:ext>
             </a:extLst>
           </p:cNvPr>
@@ -7767,7 +7768,7 @@
           <p:cNvPr id="4" name="Image 3">
             <a:extLst>
               <a:ext uri="{FF2B5EF4-FFF2-40B4-BE49-F238E27FC236}">
-                <a16:creationId xmlns:a16="http://schemas.microsoft.com/office/drawing/2014/main" xmlns="" id="{187ADA7C-03B8-49D0-A935-DE3625BD6FA7}"/>
+                <a16:creationId xmlns="" xmlns:a16="http://schemas.microsoft.com/office/drawing/2014/main" id="{187ADA7C-03B8-49D0-A935-DE3625BD6FA7}"/>
               </a:ext>
             </a:extLst>
           </p:cNvPr>
@@ -7803,7 +7804,7 @@
           <p:cNvPr id="15" name="Titre 4">
             <a:extLst>
               <a:ext uri="{FF2B5EF4-FFF2-40B4-BE49-F238E27FC236}">
-                <a16:creationId xmlns:a16="http://schemas.microsoft.com/office/drawing/2014/main" xmlns="" id="{72E9C4E7-2BF2-4AB8-9707-825FA5757113}"/>
+                <a16:creationId xmlns="" xmlns:a16="http://schemas.microsoft.com/office/drawing/2014/main" id="{72E9C4E7-2BF2-4AB8-9707-825FA5757113}"/>
               </a:ext>
             </a:extLst>
           </p:cNvPr>
@@ -7859,7 +7860,7 @@
           <p:cNvPr id="19" name="Espace réservé du contenu 18">
             <a:extLst>
               <a:ext uri="{FF2B5EF4-FFF2-40B4-BE49-F238E27FC236}">
-                <a16:creationId xmlns:a16="http://schemas.microsoft.com/office/drawing/2014/main" xmlns="" id="{E6D00721-9CE1-4CF1-AD6A-47E2B8CCCC48}"/>
+                <a16:creationId xmlns="" xmlns:a16="http://schemas.microsoft.com/office/drawing/2014/main" id="{E6D00721-9CE1-4CF1-AD6A-47E2B8CCCC48}"/>
               </a:ext>
             </a:extLst>
           </p:cNvPr>
@@ -8917,7 +8918,7 @@
                   </a:schemeClr>
                 </a:solidFill>
               </a:rPr>
-              <a:t>9 septembre 2019</a:t>
+              <a:t>11 septembre 2019</a:t>
             </a:fld>
             <a:endParaRPr lang="fr-FR" sz="1100" dirty="0">
               <a:solidFill>
@@ -9951,7 +9952,7 @@
                   </a:schemeClr>
                 </a:solidFill>
               </a:rPr>
-              <a:t>9 septembre 2019</a:t>
+              <a:t>11 septembre 2019</a:t>
             </a:fld>
             <a:endParaRPr lang="fr-FR" sz="1100" dirty="0">
               <a:solidFill>
@@ -10978,7 +10979,7 @@
                   </a:schemeClr>
                 </a:solidFill>
               </a:rPr>
-              <a:t>9 septembre 2019</a:t>
+              <a:t>11 septembre 2019</a:t>
             </a:fld>
             <a:endParaRPr lang="fr-FR" sz="1100" dirty="0">
               <a:solidFill>
@@ -11620,6 +11621,245 @@
       </p:grpSpPr>
       <p:sp>
         <p:nvSpPr>
+          <p:cNvPr id="2" name="Titre 1"/>
+          <p:cNvSpPr>
+            <a:spLocks noGrp="1"/>
+          </p:cNvSpPr>
+          <p:nvPr>
+            <p:ph type="title"/>
+          </p:nvPr>
+        </p:nvSpPr>
+        <p:spPr/>
+        <p:txBody>
+          <a:bodyPr/>
+          <a:lstStyle/>
+          <a:p>
+            <a:r>
+              <a:rPr lang="fr-FR" dirty="0" smtClean="0"/>
+              <a:t>#54902</a:t>
+            </a:r>
+            <a:endParaRPr lang="en-GB" dirty="0"/>
+          </a:p>
+        </p:txBody>
+      </p:sp>
+      <p:sp>
+        <p:nvSpPr>
+          <p:cNvPr id="3" name="Espace réservé du numéro de diapositive 2"/>
+          <p:cNvSpPr>
+            <a:spLocks noGrp="1"/>
+          </p:cNvSpPr>
+          <p:nvPr>
+            <p:ph type="sldNum" sz="quarter" idx="10"/>
+          </p:nvPr>
+        </p:nvSpPr>
+        <p:spPr/>
+        <p:txBody>
+          <a:bodyPr/>
+          <a:lstStyle/>
+          <a:p>
+            <a:pPr algn="ctr"/>
+            <a:fld id="{854A34C9-9A4B-6445-85E1-F779B5E87362}" type="slidenum">
+              <a:rPr lang="fr-FR" sz="1000" noProof="0" smtClean="0">
+                <a:solidFill>
+                  <a:schemeClr val="bg1"/>
+                </a:solidFill>
+                <a:latin typeface="Arial" charset="0"/>
+                <a:ea typeface="Arial" charset="0"/>
+                <a:cs typeface="Arial" charset="0"/>
+              </a:rPr>
+              <a:pPr algn="ctr"/>
+              <a:t>3</a:t>
+            </a:fld>
+            <a:endParaRPr lang="fr-FR" sz="1000" noProof="0" dirty="0">
+              <a:solidFill>
+                <a:schemeClr val="bg1"/>
+              </a:solidFill>
+              <a:latin typeface="Arial" charset="0"/>
+              <a:ea typeface="Arial" charset="0"/>
+              <a:cs typeface="Arial" charset="0"/>
+            </a:endParaRPr>
+          </a:p>
+        </p:txBody>
+      </p:sp>
+      <p:sp>
+        <p:nvSpPr>
+          <p:cNvPr id="4" name="Espace réservé du contenu 3"/>
+          <p:cNvSpPr>
+            <a:spLocks noGrp="1"/>
+          </p:cNvSpPr>
+          <p:nvPr>
+            <p:ph idx="1"/>
+          </p:nvPr>
+        </p:nvSpPr>
+        <p:spPr>
+          <a:xfrm>
+            <a:off x="677152" y="1385091"/>
+            <a:ext cx="7886700" cy="682969"/>
+          </a:xfrm>
+        </p:spPr>
+        <p:txBody>
+          <a:bodyPr/>
+          <a:lstStyle/>
+          <a:p>
+            <a:r>
+              <a:rPr lang="fr-FR" dirty="0" smtClean="0"/>
+              <a:t>3 MW </a:t>
+            </a:r>
+            <a:r>
+              <a:rPr lang="fr-FR" dirty="0" err="1" smtClean="0"/>
+              <a:t>coupled</a:t>
+            </a:r>
+            <a:r>
+              <a:rPr lang="fr-FR" dirty="0" smtClean="0"/>
+              <a:t> </a:t>
+            </a:r>
+            <a:r>
+              <a:rPr lang="fr-FR" dirty="0" err="1" smtClean="0"/>
+              <a:t>with</a:t>
+            </a:r>
+            <a:r>
+              <a:rPr lang="fr-FR" dirty="0" smtClean="0"/>
+              <a:t> 2 </a:t>
+            </a:r>
+            <a:r>
+              <a:rPr lang="fr-FR" dirty="0" err="1" smtClean="0"/>
+              <a:t>antennas</a:t>
+            </a:r>
+            <a:endParaRPr lang="fr-FR" dirty="0" smtClean="0"/>
+          </a:p>
+          <a:p>
+            <a:r>
+              <a:rPr lang="fr-FR" dirty="0" smtClean="0"/>
+              <a:t>« crashes » </a:t>
+            </a:r>
+            <a:r>
+              <a:rPr lang="fr-FR" dirty="0" err="1" smtClean="0"/>
+              <a:t>linked</a:t>
+            </a:r>
+            <a:r>
+              <a:rPr lang="fr-FR" dirty="0" smtClean="0"/>
+              <a:t> to </a:t>
+            </a:r>
+            <a:r>
+              <a:rPr lang="fr-FR" dirty="0" err="1" smtClean="0"/>
+              <a:t>reduced</a:t>
+            </a:r>
+            <a:r>
+              <a:rPr lang="fr-FR" dirty="0" smtClean="0"/>
+              <a:t> plasma </a:t>
+            </a:r>
+            <a:r>
+              <a:rPr lang="fr-FR" dirty="0" err="1" smtClean="0"/>
+              <a:t>density</a:t>
+            </a:r>
+            <a:r>
+              <a:rPr lang="fr-FR" dirty="0" smtClean="0"/>
+              <a:t> in front of the </a:t>
+            </a:r>
+            <a:r>
+              <a:rPr lang="fr-FR" dirty="0" err="1" smtClean="0"/>
+              <a:t>antennas</a:t>
+            </a:r>
+            <a:endParaRPr lang="en-GB" dirty="0"/>
+          </a:p>
+        </p:txBody>
+      </p:sp>
+      <p:sp>
+        <p:nvSpPr>
+          <p:cNvPr id="5" name="Espace réservé du texte 4"/>
+          <p:cNvSpPr>
+            <a:spLocks noGrp="1"/>
+          </p:cNvSpPr>
+          <p:nvPr>
+            <p:ph type="body" sz="quarter" idx="12"/>
+          </p:nvPr>
+        </p:nvSpPr>
+        <p:spPr/>
+        <p:txBody>
+          <a:bodyPr/>
+          <a:lstStyle/>
+          <a:p>
+            <a:r>
+              <a:rPr lang="fr-FR" dirty="0" smtClean="0"/>
+              <a:t>USN plasma, 500 kA</a:t>
+            </a:r>
+            <a:endParaRPr lang="en-GB" dirty="0"/>
+          </a:p>
+        </p:txBody>
+      </p:sp>
+      <p:pic>
+        <p:nvPicPr>
+          <p:cNvPr id="1026" name="Picture 2" descr="C:\Users\JH218595\Documents\WEST_C4\shot_figures\WEST_IC_54902.png"/>
+          <p:cNvPicPr>
+            <a:picLocks noChangeAspect="1" noChangeArrowheads="1"/>
+          </p:cNvPicPr>
+          <p:nvPr/>
+        </p:nvPicPr>
+        <p:blipFill>
+          <a:blip r:embed="rId2">
+            <a:extLst>
+              <a:ext uri="{28A0092B-C50C-407E-A947-70E740481C1C}">
+                <a14:useLocalDpi xmlns:a14="http://schemas.microsoft.com/office/drawing/2010/main" val="0"/>
+              </a:ext>
+            </a:extLst>
+          </a:blip>
+          <a:srcRect/>
+          <a:stretch>
+            <a:fillRect/>
+          </a:stretch>
+        </p:blipFill>
+        <p:spPr bwMode="auto">
+          <a:xfrm>
+            <a:off x="910771" y="2068060"/>
+            <a:ext cx="5853113" cy="4389437"/>
+          </a:xfrm>
+          <a:prstGeom prst="rect">
+            <a:avLst/>
+          </a:prstGeom>
+          <a:noFill/>
+          <a:extLst>
+            <a:ext uri="{909E8E84-426E-40DD-AFC4-6F175D3DCCD1}">
+              <a14:hiddenFill xmlns:a14="http://schemas.microsoft.com/office/drawing/2010/main">
+                <a:solidFill>
+                  <a:srgbClr val="FFFFFF"/>
+                </a:solidFill>
+              </a14:hiddenFill>
+            </a:ext>
+          </a:extLst>
+        </p:spPr>
+      </p:pic>
+    </p:spTree>
+    <p:extLst>
+      <p:ext uri="{BB962C8B-B14F-4D97-AF65-F5344CB8AC3E}">
+        <p14:creationId xmlns:p14="http://schemas.microsoft.com/office/powerpoint/2010/main" val="1059035464"/>
+      </p:ext>
+    </p:extLst>
+  </p:cSld>
+  <p:clrMapOvr>
+    <a:masterClrMapping/>
+  </p:clrMapOvr>
+</p:sld>
+</file>
+
+<file path=ppt/slides/slide4.xml><?xml version="1.0" encoding="utf-8"?>
+<p:sld xmlns:a="http://schemas.openxmlformats.org/drawingml/2006/main" xmlns:r="http://schemas.openxmlformats.org/officeDocument/2006/relationships" xmlns:p="http://schemas.openxmlformats.org/presentationml/2006/main">
+  <p:cSld>
+    <p:spTree>
+      <p:nvGrpSpPr>
+        <p:cNvPr id="1" name=""/>
+        <p:cNvGrpSpPr/>
+        <p:nvPr/>
+      </p:nvGrpSpPr>
+      <p:grpSpPr>
+        <a:xfrm>
+          <a:off x="0" y="0"/>
+          <a:ext cx="0" cy="0"/>
+          <a:chOff x="0" y="0"/>
+          <a:chExt cx="0" cy="0"/>
+        </a:xfrm>
+      </p:grpSpPr>
+      <p:sp>
+        <p:nvSpPr>
           <p:cNvPr id="6" name="Titre 5"/>
           <p:cNvSpPr>
             <a:spLocks noGrp="1"/>
@@ -11982,7 +12222,7 @@
 </p:sld>
 </file>
 
-<file path=ppt/slides/slide4.xml><?xml version="1.0" encoding="utf-8"?>
+<file path=ppt/slides/slide5.xml><?xml version="1.0" encoding="utf-8"?>
 <p:sld xmlns:a="http://schemas.openxmlformats.org/drawingml/2006/main" xmlns:r="http://schemas.openxmlformats.org/officeDocument/2006/relationships" xmlns:p="http://schemas.openxmlformats.org/presentationml/2006/main">
   <p:cSld>
     <p:spTree>
@@ -12414,209 +12654,6 @@
 </p:sld>
 </file>
 
-<file path=ppt/slides/slide5.xml><?xml version="1.0" encoding="utf-8"?>
-<p:sld xmlns:a="http://schemas.openxmlformats.org/drawingml/2006/main" xmlns:r="http://schemas.openxmlformats.org/officeDocument/2006/relationships" xmlns:p="http://schemas.openxmlformats.org/presentationml/2006/main">
-  <p:cSld>
-    <p:spTree>
-      <p:nvGrpSpPr>
-        <p:cNvPr id="1" name=""/>
-        <p:cNvGrpSpPr/>
-        <p:nvPr/>
-      </p:nvGrpSpPr>
-      <p:grpSpPr>
-        <a:xfrm>
-          <a:off x="0" y="0"/>
-          <a:ext cx="0" cy="0"/>
-          <a:chOff x="0" y="0"/>
-          <a:chExt cx="0" cy="0"/>
-        </a:xfrm>
-      </p:grpSpPr>
-      <p:sp>
-        <p:nvSpPr>
-          <p:cNvPr id="2" name="Titre 1"/>
-          <p:cNvSpPr>
-            <a:spLocks noGrp="1"/>
-          </p:cNvSpPr>
-          <p:nvPr>
-            <p:ph type="title"/>
-          </p:nvPr>
-        </p:nvSpPr>
-        <p:spPr>
-          <a:xfrm>
-            <a:off x="1107440" y="196179"/>
-            <a:ext cx="7985353" cy="379192"/>
-          </a:xfrm>
-        </p:spPr>
-        <p:txBody>
-          <a:bodyPr/>
-          <a:lstStyle/>
-          <a:p>
-            <a:r>
-              <a:rPr lang="fr-FR" dirty="0" smtClean="0"/>
-              <a:t>Radial position </a:t>
-            </a:r>
-            <a:r>
-              <a:rPr lang="fr-FR" dirty="0" err="1" smtClean="0"/>
-              <a:t>differences</a:t>
-            </a:r>
-            <a:r>
-              <a:rPr lang="fr-FR" dirty="0" smtClean="0"/>
-              <a:t> </a:t>
-            </a:r>
-            <a:r>
-              <a:rPr lang="fr-FR" dirty="0" err="1" smtClean="0"/>
-              <a:t>between</a:t>
-            </a:r>
-            <a:r>
-              <a:rPr lang="fr-FR" dirty="0" smtClean="0"/>
-              <a:t> 54902/USN and 54903/LSN?</a:t>
-            </a:r>
-            <a:endParaRPr lang="en-GB" dirty="0"/>
-          </a:p>
-        </p:txBody>
-      </p:sp>
-      <p:sp>
-        <p:nvSpPr>
-          <p:cNvPr id="3" name="Espace réservé du numéro de diapositive 2"/>
-          <p:cNvSpPr>
-            <a:spLocks noGrp="1"/>
-          </p:cNvSpPr>
-          <p:nvPr>
-            <p:ph type="sldNum" sz="quarter" idx="10"/>
-          </p:nvPr>
-        </p:nvSpPr>
-        <p:spPr/>
-        <p:txBody>
-          <a:bodyPr/>
-          <a:lstStyle/>
-          <a:p>
-            <a:pPr algn="ctr"/>
-            <a:fld id="{854A34C9-9A4B-6445-85E1-F779B5E87362}" type="slidenum">
-              <a:rPr lang="fr-FR" sz="1000" noProof="0" smtClean="0">
-                <a:solidFill>
-                  <a:schemeClr val="bg1"/>
-                </a:solidFill>
-                <a:latin typeface="Arial" charset="0"/>
-                <a:ea typeface="Arial" charset="0"/>
-                <a:cs typeface="Arial" charset="0"/>
-              </a:rPr>
-              <a:pPr algn="ctr"/>
-              <a:t>5</a:t>
-            </a:fld>
-            <a:endParaRPr lang="fr-FR" sz="1000" noProof="0" dirty="0">
-              <a:solidFill>
-                <a:schemeClr val="bg1"/>
-              </a:solidFill>
-              <a:latin typeface="Arial" charset="0"/>
-              <a:ea typeface="Arial" charset="0"/>
-              <a:cs typeface="Arial" charset="0"/>
-            </a:endParaRPr>
-          </a:p>
-        </p:txBody>
-      </p:sp>
-      <p:sp>
-        <p:nvSpPr>
-          <p:cNvPr id="4" name="Espace réservé du contenu 3"/>
-          <p:cNvSpPr>
-            <a:spLocks noGrp="1"/>
-          </p:cNvSpPr>
-          <p:nvPr>
-            <p:ph idx="1"/>
-          </p:nvPr>
-        </p:nvSpPr>
-        <p:spPr>
-          <a:xfrm>
-            <a:off x="646193" y="1023249"/>
-            <a:ext cx="7886700" cy="682969"/>
-          </a:xfrm>
-        </p:spPr>
-        <p:txBody>
-          <a:bodyPr/>
-          <a:lstStyle/>
-          <a:p>
-            <a:r>
-              <a:rPr lang="fr-FR" dirty="0" smtClean="0"/>
-              <a:t>FEEQS </a:t>
-            </a:r>
-            <a:r>
-              <a:rPr lang="fr-FR" dirty="0" err="1" smtClean="0"/>
-              <a:t>gives</a:t>
-            </a:r>
-            <a:r>
-              <a:rPr lang="fr-FR" dirty="0" smtClean="0"/>
-              <a:t> </a:t>
-            </a:r>
-            <a:r>
-              <a:rPr lang="fr-FR" dirty="0" err="1" smtClean="0"/>
-              <a:t>similar</a:t>
-            </a:r>
-            <a:r>
-              <a:rPr lang="fr-FR" dirty="0" smtClean="0"/>
-              <a:t> values for </a:t>
-            </a:r>
-            <a:r>
-              <a:rPr lang="fr-FR" dirty="0"/>
-              <a:t>UROG/EROG/LROG </a:t>
-            </a:r>
-            <a:r>
-              <a:rPr lang="fr-FR" b="0" dirty="0" smtClean="0"/>
-              <a:t>(R.NOUAILLETAS)</a:t>
-            </a:r>
-          </a:p>
-          <a:p>
-            <a:r>
-              <a:rPr lang="fr-FR" dirty="0" err="1" smtClean="0"/>
-              <a:t>Larger</a:t>
-            </a:r>
-            <a:r>
-              <a:rPr lang="fr-FR" dirty="0" smtClean="0"/>
-              <a:t> </a:t>
-            </a:r>
-            <a:r>
-              <a:rPr lang="fr-FR" dirty="0" err="1" smtClean="0"/>
-              <a:t>differences</a:t>
-            </a:r>
-            <a:r>
-              <a:rPr lang="fr-FR" dirty="0" smtClean="0"/>
-              <a:t> </a:t>
-            </a:r>
-            <a:r>
-              <a:rPr lang="fr-FR" dirty="0" err="1" smtClean="0"/>
-              <a:t>with</a:t>
-            </a:r>
-            <a:r>
-              <a:rPr lang="fr-FR" dirty="0" smtClean="0"/>
-              <a:t> NICE model (~cm) </a:t>
-            </a:r>
-            <a:r>
-              <a:rPr lang="fr-FR" b="0" dirty="0" smtClean="0"/>
-              <a:t>(</a:t>
-            </a:r>
-            <a:r>
-              <a:rPr lang="fr-FR" b="0" dirty="0" err="1" smtClean="0"/>
-              <a:t>M.Goniche</a:t>
-            </a:r>
-            <a:r>
-              <a:rPr lang="fr-FR" b="0" dirty="0" smtClean="0"/>
-              <a:t>)</a:t>
-            </a:r>
-            <a:endParaRPr lang="en-GB" b="0" dirty="0"/>
-          </a:p>
-        </p:txBody>
-      </p:sp>
-    </p:spTree>
-    <p:extLst>
-      <p:ext uri="{BB962C8B-B14F-4D97-AF65-F5344CB8AC3E}">
-        <p14:creationId xmlns:p14="http://schemas.microsoft.com/office/powerpoint/2010/main" val="3970642533"/>
-      </p:ext>
-    </p:extLst>
-  </p:cSld>
-  <p:clrMapOvr>
-    <a:masterClrMapping/>
-  </p:clrMapOvr>
-</p:sld>
-</file>
-
 <file path=ppt/slides/slide6.xml><?xml version="1.0" encoding="utf-8"?>
 <p:sld xmlns:a="http://schemas.openxmlformats.org/drawingml/2006/main" xmlns:r="http://schemas.openxmlformats.org/officeDocument/2006/relationships" xmlns:p="http://schemas.openxmlformats.org/presentationml/2006/main">
   <p:cSld>
@@ -12634,6 +12671,50 @@
           <a:chExt cx="0" cy="0"/>
         </a:xfrm>
       </p:grpSpPr>
+      <p:sp>
+        <p:nvSpPr>
+          <p:cNvPr id="2" name="Titre 1"/>
+          <p:cNvSpPr>
+            <a:spLocks noGrp="1"/>
+          </p:cNvSpPr>
+          <p:nvPr>
+            <p:ph type="title"/>
+          </p:nvPr>
+        </p:nvSpPr>
+        <p:spPr>
+          <a:xfrm>
+            <a:off x="1107440" y="196179"/>
+            <a:ext cx="7985353" cy="379192"/>
+          </a:xfrm>
+        </p:spPr>
+        <p:txBody>
+          <a:bodyPr/>
+          <a:lstStyle/>
+          <a:p>
+            <a:r>
+              <a:rPr lang="fr-FR" dirty="0" smtClean="0"/>
+              <a:t>Radial position </a:t>
+            </a:r>
+            <a:r>
+              <a:rPr lang="fr-FR" dirty="0" err="1" smtClean="0"/>
+              <a:t>differences</a:t>
+            </a:r>
+            <a:r>
+              <a:rPr lang="fr-FR" dirty="0" smtClean="0"/>
+              <a:t> </a:t>
+            </a:r>
+            <a:r>
+              <a:rPr lang="fr-FR" dirty="0" err="1" smtClean="0"/>
+              <a:t>between</a:t>
+            </a:r>
+            <a:r>
+              <a:rPr lang="fr-FR" dirty="0" smtClean="0"/>
+              <a:t> 54902/USN and 54903/LSN?</a:t>
+            </a:r>
+            <a:endParaRPr lang="en-GB" dirty="0"/>
+          </a:p>
+        </p:txBody>
+      </p:sp>
       <p:sp>
         <p:nvSpPr>
           <p:cNvPr id="3" name="Espace réservé du numéro de diapositive 2"/>
@@ -12675,18 +12756,18 @@
       </p:sp>
       <p:sp>
         <p:nvSpPr>
-          <p:cNvPr id="7" name="Espace réservé du texte 6"/>
+          <p:cNvPr id="4" name="Espace réservé du contenu 3"/>
           <p:cNvSpPr>
             <a:spLocks noGrp="1"/>
           </p:cNvSpPr>
           <p:nvPr>
-            <p:ph type="body" sz="quarter" idx="11"/>
+            <p:ph idx="1"/>
           </p:nvPr>
         </p:nvSpPr>
         <p:spPr>
           <a:xfrm>
-            <a:off x="845677" y="4801464"/>
-            <a:ext cx="2073088" cy="498598"/>
+            <a:off x="646193" y="1023249"/>
+            <a:ext cx="7886700" cy="682969"/>
           </a:xfrm>
         </p:spPr>
         <p:txBody>
@@ -12695,35 +12776,78 @@
           <a:p>
             <a:r>
               <a:rPr lang="fr-FR" dirty="0" smtClean="0"/>
-              <a:t>Vendredi 7/09</a:t>
-            </a:r>
-            <a:endParaRPr lang="en-GB" dirty="0"/>
-          </a:p>
-        </p:txBody>
-      </p:sp>
-      <p:sp>
-        <p:nvSpPr>
-          <p:cNvPr id="8" name="Espace réservé du contenu 7"/>
-          <p:cNvSpPr>
-            <a:spLocks noGrp="1"/>
-          </p:cNvSpPr>
-          <p:nvPr>
-            <p:ph sz="quarter" idx="13"/>
-          </p:nvPr>
-        </p:nvSpPr>
-        <p:spPr/>
-        <p:txBody>
-          <a:bodyPr/>
-          <a:lstStyle/>
-          <a:p>
-            <a:endParaRPr lang="en-GB" dirty="0"/>
+              <a:t>FEEQS </a:t>
+            </a:r>
+            <a:r>
+              <a:rPr lang="fr-FR" dirty="0" err="1" smtClean="0"/>
+              <a:t>gives</a:t>
+            </a:r>
+            <a:r>
+              <a:rPr lang="fr-FR" dirty="0" smtClean="0"/>
+              <a:t> </a:t>
+            </a:r>
+            <a:r>
+              <a:rPr lang="fr-FR" dirty="0" err="1" smtClean="0"/>
+              <a:t>similar</a:t>
+            </a:r>
+            <a:r>
+              <a:rPr lang="fr-FR" dirty="0" smtClean="0"/>
+              <a:t> values for </a:t>
+            </a:r>
+            <a:r>
+              <a:rPr lang="fr-FR" dirty="0"/>
+              <a:t>UROG/EROG/LROG </a:t>
+            </a:r>
+            <a:r>
+              <a:rPr lang="fr-FR" b="0" dirty="0" smtClean="0"/>
+              <a:t>(R.NOUAILLETAS)</a:t>
+            </a:r>
+          </a:p>
+          <a:p>
+            <a:r>
+              <a:rPr lang="fr-FR" dirty="0" err="1" smtClean="0"/>
+              <a:t>Larger</a:t>
+            </a:r>
+            <a:r>
+              <a:rPr lang="fr-FR" dirty="0" smtClean="0"/>
+              <a:t> </a:t>
+            </a:r>
+            <a:r>
+              <a:rPr lang="fr-FR" dirty="0" err="1" smtClean="0"/>
+              <a:t>differences</a:t>
+            </a:r>
+            <a:r>
+              <a:rPr lang="fr-FR" dirty="0" smtClean="0"/>
+              <a:t> </a:t>
+            </a:r>
+            <a:r>
+              <a:rPr lang="fr-FR" dirty="0" err="1" smtClean="0"/>
+              <a:t>with</a:t>
+            </a:r>
+            <a:r>
+              <a:rPr lang="fr-FR" dirty="0" smtClean="0"/>
+              <a:t> NICE model (~cm) </a:t>
+            </a:r>
+            <a:r>
+              <a:rPr lang="fr-FR" b="0" dirty="0" smtClean="0"/>
+              <a:t>(</a:t>
+            </a:r>
+            <a:r>
+              <a:rPr lang="fr-FR" b="0" dirty="0" err="1" smtClean="0"/>
+              <a:t>M.Goniche</a:t>
+            </a:r>
+            <a:r>
+              <a:rPr lang="fr-FR" b="0" dirty="0" smtClean="0"/>
+              <a:t>)</a:t>
+            </a:r>
+            <a:endParaRPr lang="en-GB" b="0" dirty="0"/>
           </a:p>
         </p:txBody>
       </p:sp>
     </p:spTree>
     <p:extLst>
       <p:ext uri="{BB962C8B-B14F-4D97-AF65-F5344CB8AC3E}">
-        <p14:creationId xmlns:p14="http://schemas.microsoft.com/office/powerpoint/2010/main" val="3430458609"/>
+        <p14:creationId xmlns:p14="http://schemas.microsoft.com/office/powerpoint/2010/main" val="3970642533"/>
       </p:ext>
     </p:extLst>
   </p:cSld>
@@ -12752,29 +12876,6 @@
       </p:grpSpPr>
       <p:sp>
         <p:nvSpPr>
-          <p:cNvPr id="2" name="Titre 1"/>
-          <p:cNvSpPr>
-            <a:spLocks noGrp="1"/>
-          </p:cNvSpPr>
-          <p:nvPr>
-            <p:ph type="title"/>
-          </p:nvPr>
-        </p:nvSpPr>
-        <p:spPr/>
-        <p:txBody>
-          <a:bodyPr/>
-          <a:lstStyle/>
-          <a:p>
-            <a:r>
-              <a:rPr lang="fr-FR" dirty="0" smtClean="0"/>
-              <a:t>54989</a:t>
-            </a:r>
-            <a:endParaRPr lang="en-GB" dirty="0"/>
-          </a:p>
-        </p:txBody>
-      </p:sp>
-      <p:sp>
-        <p:nvSpPr>
           <p:cNvPr id="3" name="Espace réservé du numéro de diapositive 2"/>
           <p:cNvSpPr>
             <a:spLocks noGrp="1"/>
@@ -12814,6 +12915,145 @@
       </p:sp>
       <p:sp>
         <p:nvSpPr>
+          <p:cNvPr id="7" name="Espace réservé du texte 6"/>
+          <p:cNvSpPr>
+            <a:spLocks noGrp="1"/>
+          </p:cNvSpPr>
+          <p:nvPr>
+            <p:ph type="body" sz="quarter" idx="11"/>
+          </p:nvPr>
+        </p:nvSpPr>
+        <p:spPr>
+          <a:xfrm>
+            <a:off x="845677" y="4801464"/>
+            <a:ext cx="2073088" cy="498598"/>
+          </a:xfrm>
+        </p:spPr>
+        <p:txBody>
+          <a:bodyPr/>
+          <a:lstStyle/>
+          <a:p>
+            <a:r>
+              <a:rPr lang="fr-FR" dirty="0" smtClean="0"/>
+              <a:t>Vendredi 7/09</a:t>
+            </a:r>
+            <a:endParaRPr lang="en-GB" dirty="0"/>
+          </a:p>
+        </p:txBody>
+      </p:sp>
+      <p:sp>
+        <p:nvSpPr>
+          <p:cNvPr id="8" name="Espace réservé du contenu 7"/>
+          <p:cNvSpPr>
+            <a:spLocks noGrp="1"/>
+          </p:cNvSpPr>
+          <p:nvPr>
+            <p:ph sz="quarter" idx="13"/>
+          </p:nvPr>
+        </p:nvSpPr>
+        <p:spPr/>
+        <p:txBody>
+          <a:bodyPr/>
+          <a:lstStyle/>
+          <a:p>
+            <a:endParaRPr lang="en-GB" dirty="0"/>
+          </a:p>
+        </p:txBody>
+      </p:sp>
+    </p:spTree>
+    <p:extLst>
+      <p:ext uri="{BB962C8B-B14F-4D97-AF65-F5344CB8AC3E}">
+        <p14:creationId xmlns:p14="http://schemas.microsoft.com/office/powerpoint/2010/main" val="3430458609"/>
+      </p:ext>
+    </p:extLst>
+  </p:cSld>
+  <p:clrMapOvr>
+    <a:masterClrMapping/>
+  </p:clrMapOvr>
+</p:sld>
+</file>
+
+<file path=ppt/slides/slide8.xml><?xml version="1.0" encoding="utf-8"?>
+<p:sld xmlns:a="http://schemas.openxmlformats.org/drawingml/2006/main" xmlns:r="http://schemas.openxmlformats.org/officeDocument/2006/relationships" xmlns:p="http://schemas.openxmlformats.org/presentationml/2006/main">
+  <p:cSld>
+    <p:spTree>
+      <p:nvGrpSpPr>
+        <p:cNvPr id="1" name=""/>
+        <p:cNvGrpSpPr/>
+        <p:nvPr/>
+      </p:nvGrpSpPr>
+      <p:grpSpPr>
+        <a:xfrm>
+          <a:off x="0" y="0"/>
+          <a:ext cx="0" cy="0"/>
+          <a:chOff x="0" y="0"/>
+          <a:chExt cx="0" cy="0"/>
+        </a:xfrm>
+      </p:grpSpPr>
+      <p:sp>
+        <p:nvSpPr>
+          <p:cNvPr id="2" name="Titre 1"/>
+          <p:cNvSpPr>
+            <a:spLocks noGrp="1"/>
+          </p:cNvSpPr>
+          <p:nvPr>
+            <p:ph type="title"/>
+          </p:nvPr>
+        </p:nvSpPr>
+        <p:spPr/>
+        <p:txBody>
+          <a:bodyPr/>
+          <a:lstStyle/>
+          <a:p>
+            <a:r>
+              <a:rPr lang="fr-FR" dirty="0" smtClean="0"/>
+              <a:t>54989</a:t>
+            </a:r>
+            <a:endParaRPr lang="en-GB" dirty="0"/>
+          </a:p>
+        </p:txBody>
+      </p:sp>
+      <p:sp>
+        <p:nvSpPr>
+          <p:cNvPr id="3" name="Espace réservé du numéro de diapositive 2"/>
+          <p:cNvSpPr>
+            <a:spLocks noGrp="1"/>
+          </p:cNvSpPr>
+          <p:nvPr>
+            <p:ph type="sldNum" sz="quarter" idx="10"/>
+          </p:nvPr>
+        </p:nvSpPr>
+        <p:spPr/>
+        <p:txBody>
+          <a:bodyPr/>
+          <a:lstStyle/>
+          <a:p>
+            <a:pPr algn="ctr"/>
+            <a:fld id="{854A34C9-9A4B-6445-85E1-F779B5E87362}" type="slidenum">
+              <a:rPr lang="fr-FR" sz="1000" noProof="0" smtClean="0">
+                <a:solidFill>
+                  <a:schemeClr val="bg1"/>
+                </a:solidFill>
+                <a:latin typeface="Arial" charset="0"/>
+                <a:ea typeface="Arial" charset="0"/>
+                <a:cs typeface="Arial" charset="0"/>
+              </a:rPr>
+              <a:pPr algn="ctr"/>
+              <a:t>8</a:t>
+            </a:fld>
+            <a:endParaRPr lang="fr-FR" sz="1000" noProof="0" dirty="0">
+              <a:solidFill>
+                <a:schemeClr val="bg1"/>
+              </a:solidFill>
+              <a:latin typeface="Arial" charset="0"/>
+              <a:ea typeface="Arial" charset="0"/>
+              <a:cs typeface="Arial" charset="0"/>
+            </a:endParaRPr>
+          </a:p>
+        </p:txBody>
+      </p:sp>
+      <p:sp>
+        <p:nvSpPr>
           <p:cNvPr id="4" name="Espace réservé du contenu 3"/>
           <p:cNvSpPr>
             <a:spLocks noGrp="1"/>
@@ -12824,8 +13064,8 @@
         </p:nvSpPr>
         <p:spPr>
           <a:xfrm>
-            <a:off x="660824" y="1630411"/>
-            <a:ext cx="7886700" cy="405970"/>
+            <a:off x="660824" y="1548766"/>
+            <a:ext cx="7886700" cy="682969"/>
           </a:xfrm>
         </p:spPr>
         <p:txBody>
@@ -12875,6 +13115,33 @@
             <a:r>
               <a:rPr lang="fr-FR" dirty="0" err="1" smtClean="0"/>
               <a:t>SICHPQi</a:t>
+            </a:r>
+            <a:r>
+              <a:rPr lang="fr-FR" dirty="0" smtClean="0"/>
+              <a:t/>
+            </a:r>
+            <a:br>
+              <a:rPr lang="fr-FR" dirty="0" smtClean="0"/>
+            </a:br>
+            <a:r>
+              <a:rPr lang="fr-FR" dirty="0" smtClean="0"/>
+              <a:t>(</a:t>
+            </a:r>
+            <a:r>
+              <a:rPr lang="fr-FR" dirty="0" err="1" smtClean="0"/>
+              <a:t>problem</a:t>
+            </a:r>
+            <a:r>
+              <a:rPr lang="fr-FR" dirty="0" smtClean="0"/>
+              <a:t> </a:t>
+            </a:r>
+            <a:r>
+              <a:rPr lang="fr-FR" dirty="0" err="1" smtClean="0"/>
+              <a:t>solved</a:t>
+            </a:r>
+            <a:r>
+              <a:rPr lang="fr-FR" dirty="0" smtClean="0"/>
+              <a:t> on 10/09/2019</a:t>
             </a:r>
             <a:endParaRPr lang="en-GB" dirty="0"/>
           </a:p>
@@ -13186,7 +13453,7 @@
   <a:extraClrSchemeLst/>
   <a:extLst>
     <a:ext uri="{05A4C25C-085E-4340-85A3-A5531E510DB2}">
-      <thm15:themeFamily xmlns:thm15="http://schemas.microsoft.com/office/thememl/2012/main" xmlns="" name="Template PP CEA 4-3.pptx" id="{017B0BBD-D478-416D-9408-C3E5553B88B8}" vid="{9A88B8C1-4942-46D3-9391-C2B501F07E87}"/>
+      <thm15:themeFamily xmlns="" xmlns:thm15="http://schemas.microsoft.com/office/thememl/2012/main" name="Template PP CEA 4-3.pptx" id="{017B0BBD-D478-416D-9408-C3E5553B88B8}" vid="{9A88B8C1-4942-46D3-9391-C2B501F07E87}"/>
     </a:ext>
   </a:extLst>
 </a:theme>
@@ -13401,7 +13668,7 @@
   <a:extraClrSchemeLst/>
   <a:extLst>
     <a:ext uri="{05A4C25C-085E-4340-85A3-A5531E510DB2}">
-      <thm15:themeFamily xmlns:thm15="http://schemas.microsoft.com/office/thememl/2012/main" xmlns="" name="Template PP CEA 4-3.pptx" id="{017B0BBD-D478-416D-9408-C3E5553B88B8}" vid="{52A1E219-64F3-4477-912D-9636D70C98A7}"/>
+      <thm15:themeFamily xmlns="" xmlns:thm15="http://schemas.microsoft.com/office/thememl/2012/main" name="Template PP CEA 4-3.pptx" id="{017B0BBD-D478-416D-9408-C3E5553B88B8}" vid="{52A1E219-64F3-4477-912D-9636D70C98A7}"/>
     </a:ext>
   </a:extLst>
 </a:theme>
@@ -13616,7 +13883,7 @@
   <a:extraClrSchemeLst/>
   <a:extLst>
     <a:ext uri="{05A4C25C-085E-4340-85A3-A5531E510DB2}">
-      <thm15:themeFamily xmlns:thm15="http://schemas.microsoft.com/office/thememl/2012/main" xmlns="" name="Template PP CEA 4-3.pptx" id="{017B0BBD-D478-416D-9408-C3E5553B88B8}" vid="{0799EC0F-9A1D-48A9-9692-520D5CEBB494}"/>
+      <thm15:themeFamily xmlns="" xmlns:thm15="http://schemas.microsoft.com/office/thememl/2012/main" name="Template PP CEA 4-3.pptx" id="{017B0BBD-D478-416D-9408-C3E5553B88B8}" vid="{0799EC0F-9A1D-48A9-9692-520D5CEBB494}"/>
     </a:ext>
   </a:extLst>
 </a:theme>
@@ -13911,7 +14178,7 @@
   <a:extraClrSchemeLst/>
   <a:extLst>
     <a:ext uri="{05A4C25C-085E-4340-85A3-A5531E510DB2}">
-      <thm15:themeFamily xmlns:thm15="http://schemas.microsoft.com/office/thememl/2012/main" xmlns="" name="Office Theme" id="{62F939B6-93AF-4DB8-9C6B-D6C7DFDC589F}" vid="{4A3C46E8-61CC-4603-A589-7422A47A8E4A}"/>
+      <thm15:themeFamily xmlns="" xmlns:thm15="http://schemas.microsoft.com/office/thememl/2012/main" name="Office Theme" id="{62F939B6-93AF-4DB8-9C6B-D6C7DFDC589F}" vid="{4A3C46E8-61CC-4603-A589-7422A47A8E4A}"/>
     </a:ext>
   </a:extLst>
 </a:theme>
@@ -14206,28 +14473,13 @@
   <a:extraClrSchemeLst/>
   <a:extLst>
     <a:ext uri="{05A4C25C-085E-4340-85A3-A5531E510DB2}">
-      <thm15:themeFamily xmlns:thm15="http://schemas.microsoft.com/office/thememl/2012/main" xmlns="" name="Office Theme" id="{62F939B6-93AF-4DB8-9C6B-D6C7DFDC589F}" vid="{4A3C46E8-61CC-4603-A589-7422A47A8E4A}"/>
+      <thm15:themeFamily xmlns="" xmlns:thm15="http://schemas.microsoft.com/office/thememl/2012/main" name="Office Theme" id="{62F939B6-93AF-4DB8-9C6B-D6C7DFDC589F}" vid="{4A3C46E8-61CC-4603-A589-7422A47A8E4A}"/>
     </a:ext>
   </a:extLst>
 </a:theme>
 </file>
 
 <file path=customXml/item1.xml><?xml version="1.0" encoding="utf-8"?>
-<p:properties xmlns:p="http://schemas.microsoft.com/office/2006/metadata/properties" xmlns:xsi="http://www.w3.org/2001/XMLSchema-instance" xmlns:pc="http://schemas.microsoft.com/office/infopath/2007/PartnerControls">
-  <documentManagement/>
-</p:properties>
-</file>
-
-<file path=customXml/item2.xml><?xml version="1.0" encoding="utf-8"?>
-<?mso-contentType ?>
-<FormTemplates xmlns="http://schemas.microsoft.com/sharepoint/v3/contenttype/forms">
-  <Display>DocumentLibraryForm</Display>
-  <Edit>DocumentLibraryForm</Edit>
-  <New>DocumentLibraryForm</New>
-</FormTemplates>
-</file>
-
-<file path=customXml/item3.xml><?xml version="1.0" encoding="utf-8"?>
 <ct:contentTypeSchema xmlns:ct="http://schemas.microsoft.com/office/2006/metadata/contentType" xmlns:ma="http://schemas.microsoft.com/office/2006/metadata/properties/metaAttributes" ct:_="" ma:_="" ma:contentTypeName="Document" ma:contentTypeID="0x010100362F2A79C4BED747976EC3AD530384C1" ma:contentTypeVersion="0" ma:contentTypeDescription="Crée un document." ma:contentTypeScope="" ma:versionID="9ea4ffbb61354172aceb879db3e26537">
   <xsd:schema xmlns:xsd="http://www.w3.org/2001/XMLSchema" xmlns:xs="http://www.w3.org/2001/XMLSchema" xmlns:p="http://schemas.microsoft.com/office/2006/metadata/properties" targetNamespace="http://schemas.microsoft.com/office/2006/metadata/properties" ma:root="true" ma:fieldsID="ab09c1ba23edfaa45a5e9d385267c9b5">
     <xsd:element name="properties">
@@ -14341,17 +14593,33 @@
 </ct:contentTypeSchema>
 </file>
 
+<file path=customXml/item2.xml><?xml version="1.0" encoding="utf-8"?>
+<?mso-contentType ?>
+<FormTemplates xmlns="http://schemas.microsoft.com/sharepoint/v3/contenttype/forms">
+  <Display>DocumentLibraryForm</Display>
+  <Edit>DocumentLibraryForm</Edit>
+  <New>DocumentLibraryForm</New>
+</FormTemplates>
+</file>
+
+<file path=customXml/item3.xml><?xml version="1.0" encoding="utf-8"?>
+<p:properties xmlns:p="http://schemas.microsoft.com/office/2006/metadata/properties" xmlns:xsi="http://www.w3.org/2001/XMLSchema-instance" xmlns:pc="http://schemas.microsoft.com/office/infopath/2007/PartnerControls">
+  <documentManagement/>
+</p:properties>
+</file>
+
 <file path=customXml/itemProps1.xml><?xml version="1.0" encoding="utf-8"?>
-<ds:datastoreItem xmlns:ds="http://schemas.openxmlformats.org/officeDocument/2006/customXml" ds:itemID="{C4B0D5B4-4CC6-4497-9BFB-91C4C64EBEC9}">
+<ds:datastoreItem xmlns:ds="http://schemas.openxmlformats.org/officeDocument/2006/customXml" ds:itemID="{866C4233-EA21-4292-B391-09F7550CF5BF}">
   <ds:schemaRefs>
-    <ds:schemaRef ds:uri="http://schemas.microsoft.com/office/2006/documentManagement/types"/>
-    <ds:schemaRef ds:uri="http://purl.org/dc/dcmitype/"/>
-    <ds:schemaRef ds:uri="http://purl.org/dc/terms/"/>
-    <ds:schemaRef ds:uri="http://purl.org/dc/elements/1.1/"/>
-    <ds:schemaRef ds:uri="http://schemas.microsoft.com/office/infopath/2007/PartnerControls"/>
-    <ds:schemaRef ds:uri="http://www.w3.org/XML/1998/namespace"/>
+    <ds:schemaRef ds:uri="http://schemas.microsoft.com/office/2006/metadata/contentType"/>
+    <ds:schemaRef ds:uri="http://schemas.microsoft.com/office/2006/metadata/properties/metaAttributes"/>
+    <ds:schemaRef ds:uri="http://www.w3.org/2001/XMLSchema"/>
     <ds:schemaRef ds:uri="http://schemas.microsoft.com/office/2006/metadata/properties"/>
     <ds:schemaRef ds:uri="http://schemas.openxmlformats.org/package/2006/metadata/core-properties"/>
+    <ds:schemaRef ds:uri="http://purl.org/dc/elements/1.1/"/>
+    <ds:schemaRef ds:uri="http://purl.org/dc/terms/"/>
+    <ds:schemaRef ds:uri="http://schemas.microsoft.com/internal/obd"/>
+    <ds:schemaRef ds:uri="http://schemas.microsoft.com/office/infopath/2007/PartnerControls"/>
   </ds:schemaRefs>
 </ds:datastoreItem>
 </file>
@@ -14365,17 +14633,16 @@
 </file>
 
 <file path=customXml/itemProps3.xml><?xml version="1.0" encoding="utf-8"?>
-<ds:datastoreItem xmlns:ds="http://schemas.openxmlformats.org/officeDocument/2006/customXml" ds:itemID="{866C4233-EA21-4292-B391-09F7550CF5BF}">
+<ds:datastoreItem xmlns:ds="http://schemas.openxmlformats.org/officeDocument/2006/customXml" ds:itemID="{C4B0D5B4-4CC6-4497-9BFB-91C4C64EBEC9}">
   <ds:schemaRefs>
-    <ds:schemaRef ds:uri="http://schemas.microsoft.com/office/2006/metadata/contentType"/>
-    <ds:schemaRef ds:uri="http://schemas.microsoft.com/office/2006/metadata/properties/metaAttributes"/>
-    <ds:schemaRef ds:uri="http://www.w3.org/2001/XMLSchema"/>
+    <ds:schemaRef ds:uri="http://schemas.microsoft.com/office/2006/documentManagement/types"/>
+    <ds:schemaRef ds:uri="http://purl.org/dc/dcmitype/"/>
+    <ds:schemaRef ds:uri="http://purl.org/dc/terms/"/>
+    <ds:schemaRef ds:uri="http://purl.org/dc/elements/1.1/"/>
+    <ds:schemaRef ds:uri="http://schemas.microsoft.com/office/infopath/2007/PartnerControls"/>
+    <ds:schemaRef ds:uri="http://www.w3.org/XML/1998/namespace"/>
     <ds:schemaRef ds:uri="http://schemas.microsoft.com/office/2006/metadata/properties"/>
     <ds:schemaRef ds:uri="http://schemas.openxmlformats.org/package/2006/metadata/core-properties"/>
-    <ds:schemaRef ds:uri="http://purl.org/dc/elements/1.1/"/>
-    <ds:schemaRef ds:uri="http://purl.org/dc/terms/"/>
-    <ds:schemaRef ds:uri="http://schemas.microsoft.com/internal/obd"/>
-    <ds:schemaRef ds:uri="http://schemas.microsoft.com/office/infopath/2007/PartnerControls"/>
   </ds:schemaRefs>
 </ds:datastoreItem>
 </file>
--- a/presentations/WEST_IC_week36.pptx
+++ b/presentations/WEST_IC_week36.pptx
@@ -121,7 +121,7 @@
   </p:defaultTextStyle>
   <p:extLst>
     <p:ext uri="{EFAFB233-063F-42B5-8137-9DF3F51BA10A}">
-      <p15:sldGuideLst xmlns="" xmlns:p15="http://schemas.microsoft.com/office/powerpoint/2012/main">
+      <p15:sldGuideLst xmlns:p15="http://schemas.microsoft.com/office/powerpoint/2012/main" xmlns="">
         <p15:guide id="1" orient="horz" pos="1620" userDrawn="1">
           <p15:clr>
             <a:srgbClr val="A4A3A4"/>
@@ -195,7 +195,7 @@
       </p15:sldGuideLst>
     </p:ext>
     <p:ext uri="{2D200454-40CA-4A62-9FC3-DE9A4176ACB9}">
-      <p15:notesGuideLst xmlns="" xmlns:p15="http://schemas.microsoft.com/office/powerpoint/2012/main">
+      <p15:notesGuideLst xmlns:p15="http://schemas.microsoft.com/office/powerpoint/2012/main" xmlns="">
         <p15:guide id="1" orient="horz" pos="3224" userDrawn="1">
           <p15:clr>
             <a:srgbClr val="A4A3A4"/>
@@ -1129,7 +1129,7 @@
           <p:cNvPr id="2" name="Titre 1">
             <a:extLst>
               <a:ext uri="{FF2B5EF4-FFF2-40B4-BE49-F238E27FC236}">
-                <a16:creationId xmlns="" xmlns:a16="http://schemas.microsoft.com/office/drawing/2014/main" id="{9CDDA024-CC5C-49D4-9EDE-B13C9CE4F869}"/>
+                <a16:creationId xmlns:a16="http://schemas.microsoft.com/office/drawing/2014/main" xmlns="" id="{9CDDA024-CC5C-49D4-9EDE-B13C9CE4F869}"/>
               </a:ext>
             </a:extLst>
           </p:cNvPr>
@@ -1158,7 +1158,7 @@
           <p:cNvPr id="3" name="Espace réservé du numéro de diapositive 2">
             <a:extLst>
               <a:ext uri="{FF2B5EF4-FFF2-40B4-BE49-F238E27FC236}">
-                <a16:creationId xmlns="" xmlns:a16="http://schemas.microsoft.com/office/drawing/2014/main" id="{76952101-6F0D-4470-B900-D7C009A8362C}"/>
+                <a16:creationId xmlns:a16="http://schemas.microsoft.com/office/drawing/2014/main" xmlns="" id="{76952101-6F0D-4470-B900-D7C009A8362C}"/>
               </a:ext>
             </a:extLst>
           </p:cNvPr>
@@ -1202,7 +1202,7 @@
           <p:cNvPr id="5" name="Espace réservé pour une image  4">
             <a:extLst>
               <a:ext uri="{FF2B5EF4-FFF2-40B4-BE49-F238E27FC236}">
-                <a16:creationId xmlns="" xmlns:a16="http://schemas.microsoft.com/office/drawing/2014/main" id="{60769C5C-EDFB-44C6-A754-7FD9C1B5A1AC}"/>
+                <a16:creationId xmlns:a16="http://schemas.microsoft.com/office/drawing/2014/main" xmlns="" id="{60769C5C-EDFB-44C6-A754-7FD9C1B5A1AC}"/>
               </a:ext>
             </a:extLst>
           </p:cNvPr>
@@ -1236,7 +1236,7 @@
           <p:cNvPr id="6" name="Espace réservé pour une image  4">
             <a:extLst>
               <a:ext uri="{FF2B5EF4-FFF2-40B4-BE49-F238E27FC236}">
-                <a16:creationId xmlns="" xmlns:a16="http://schemas.microsoft.com/office/drawing/2014/main" id="{CE83B8F1-3CFD-4C6F-B77B-684EE09D6FEC}"/>
+                <a16:creationId xmlns:a16="http://schemas.microsoft.com/office/drawing/2014/main" xmlns="" id="{CE83B8F1-3CFD-4C6F-B77B-684EE09D6FEC}"/>
               </a:ext>
             </a:extLst>
           </p:cNvPr>
@@ -1270,7 +1270,7 @@
           <p:cNvPr id="8" name="Espace réservé du texte 7">
             <a:extLst>
               <a:ext uri="{FF2B5EF4-FFF2-40B4-BE49-F238E27FC236}">
-                <a16:creationId xmlns="" xmlns:a16="http://schemas.microsoft.com/office/drawing/2014/main" id="{81F07BDA-5AB0-410C-A329-8C06350E1EDE}"/>
+                <a16:creationId xmlns:a16="http://schemas.microsoft.com/office/drawing/2014/main" xmlns="" id="{81F07BDA-5AB0-410C-A329-8C06350E1EDE}"/>
               </a:ext>
             </a:extLst>
           </p:cNvPr>
@@ -1322,7 +1322,7 @@
           <p:cNvPr id="10" name="Connecteur droit 9">
             <a:extLst>
               <a:ext uri="{FF2B5EF4-FFF2-40B4-BE49-F238E27FC236}">
-                <a16:creationId xmlns="" xmlns:a16="http://schemas.microsoft.com/office/drawing/2014/main" id="{F95E4514-E62C-42B5-BE1E-5F1CD3D2A789}"/>
+                <a16:creationId xmlns:a16="http://schemas.microsoft.com/office/drawing/2014/main" xmlns="" id="{F95E4514-E62C-42B5-BE1E-5F1CD3D2A789}"/>
               </a:ext>
             </a:extLst>
           </p:cNvPr>
@@ -1363,7 +1363,7 @@
           <p:cNvPr id="11" name="Espace réservé du texte 7">
             <a:extLst>
               <a:ext uri="{FF2B5EF4-FFF2-40B4-BE49-F238E27FC236}">
-                <a16:creationId xmlns="" xmlns:a16="http://schemas.microsoft.com/office/drawing/2014/main" id="{5C946E34-2083-434D-8404-8F5AEE71F02C}"/>
+                <a16:creationId xmlns:a16="http://schemas.microsoft.com/office/drawing/2014/main" xmlns="" id="{5C946E34-2083-434D-8404-8F5AEE71F02C}"/>
               </a:ext>
             </a:extLst>
           </p:cNvPr>
@@ -1415,7 +1415,7 @@
           <p:cNvPr id="12" name="Connecteur droit 11">
             <a:extLst>
               <a:ext uri="{FF2B5EF4-FFF2-40B4-BE49-F238E27FC236}">
-                <a16:creationId xmlns="" xmlns:a16="http://schemas.microsoft.com/office/drawing/2014/main" id="{6653795C-036F-4780-863C-5F5B75D45AC9}"/>
+                <a16:creationId xmlns:a16="http://schemas.microsoft.com/office/drawing/2014/main" xmlns="" id="{6653795C-036F-4780-863C-5F5B75D45AC9}"/>
               </a:ext>
             </a:extLst>
           </p:cNvPr>
@@ -1456,7 +1456,7 @@
           <p:cNvPr id="13" name="Espace réservé pour une image  4">
             <a:extLst>
               <a:ext uri="{FF2B5EF4-FFF2-40B4-BE49-F238E27FC236}">
-                <a16:creationId xmlns="" xmlns:a16="http://schemas.microsoft.com/office/drawing/2014/main" id="{6076C443-2E06-4281-8B05-53A67256EEBA}"/>
+                <a16:creationId xmlns:a16="http://schemas.microsoft.com/office/drawing/2014/main" xmlns="" id="{6076C443-2E06-4281-8B05-53A67256EEBA}"/>
               </a:ext>
             </a:extLst>
           </p:cNvPr>
@@ -1490,7 +1490,7 @@
           <p:cNvPr id="14" name="Espace réservé pour une image  4">
             <a:extLst>
               <a:ext uri="{FF2B5EF4-FFF2-40B4-BE49-F238E27FC236}">
-                <a16:creationId xmlns="" xmlns:a16="http://schemas.microsoft.com/office/drawing/2014/main" id="{AAFC24E1-75A5-4390-A26C-B3DE9FF20EE3}"/>
+                <a16:creationId xmlns:a16="http://schemas.microsoft.com/office/drawing/2014/main" xmlns="" id="{AAFC24E1-75A5-4390-A26C-B3DE9FF20EE3}"/>
               </a:ext>
             </a:extLst>
           </p:cNvPr>
@@ -1524,7 +1524,7 @@
           <p:cNvPr id="15" name="Espace réservé du texte 7">
             <a:extLst>
               <a:ext uri="{FF2B5EF4-FFF2-40B4-BE49-F238E27FC236}">
-                <a16:creationId xmlns="" xmlns:a16="http://schemas.microsoft.com/office/drawing/2014/main" id="{67AD350B-6F89-4863-9328-41F1D93BBC1F}"/>
+                <a16:creationId xmlns:a16="http://schemas.microsoft.com/office/drawing/2014/main" xmlns="" id="{67AD350B-6F89-4863-9328-41F1D93BBC1F}"/>
               </a:ext>
             </a:extLst>
           </p:cNvPr>
@@ -1576,7 +1576,7 @@
           <p:cNvPr id="16" name="Connecteur droit 15">
             <a:extLst>
               <a:ext uri="{FF2B5EF4-FFF2-40B4-BE49-F238E27FC236}">
-                <a16:creationId xmlns="" xmlns:a16="http://schemas.microsoft.com/office/drawing/2014/main" id="{7B1C8393-42C9-4E5B-B22A-7A1C80B3392B}"/>
+                <a16:creationId xmlns:a16="http://schemas.microsoft.com/office/drawing/2014/main" xmlns="" id="{7B1C8393-42C9-4E5B-B22A-7A1C80B3392B}"/>
               </a:ext>
             </a:extLst>
           </p:cNvPr>
@@ -1617,7 +1617,7 @@
           <p:cNvPr id="17" name="Espace réservé du texte 7">
             <a:extLst>
               <a:ext uri="{FF2B5EF4-FFF2-40B4-BE49-F238E27FC236}">
-                <a16:creationId xmlns="" xmlns:a16="http://schemas.microsoft.com/office/drawing/2014/main" id="{EADC8B10-F914-44B6-855C-77AEF500D416}"/>
+                <a16:creationId xmlns:a16="http://schemas.microsoft.com/office/drawing/2014/main" xmlns="" id="{EADC8B10-F914-44B6-855C-77AEF500D416}"/>
               </a:ext>
             </a:extLst>
           </p:cNvPr>
@@ -1669,7 +1669,7 @@
           <p:cNvPr id="18" name="Connecteur droit 17">
             <a:extLst>
               <a:ext uri="{FF2B5EF4-FFF2-40B4-BE49-F238E27FC236}">
-                <a16:creationId xmlns="" xmlns:a16="http://schemas.microsoft.com/office/drawing/2014/main" id="{6674119E-EE06-45F8-B404-7D969C8F47C0}"/>
+                <a16:creationId xmlns:a16="http://schemas.microsoft.com/office/drawing/2014/main" xmlns="" id="{6674119E-EE06-45F8-B404-7D969C8F47C0}"/>
               </a:ext>
             </a:extLst>
           </p:cNvPr>
@@ -1710,7 +1710,7 @@
           <p:cNvPr id="19" name="Espace réservé pour une image  4">
             <a:extLst>
               <a:ext uri="{FF2B5EF4-FFF2-40B4-BE49-F238E27FC236}">
-                <a16:creationId xmlns="" xmlns:a16="http://schemas.microsoft.com/office/drawing/2014/main" id="{2E8B88C5-9DD3-4342-8110-493B6A4046ED}"/>
+                <a16:creationId xmlns:a16="http://schemas.microsoft.com/office/drawing/2014/main" xmlns="" id="{2E8B88C5-9DD3-4342-8110-493B6A4046ED}"/>
               </a:ext>
             </a:extLst>
           </p:cNvPr>
@@ -1744,7 +1744,7 @@
           <p:cNvPr id="20" name="Espace réservé pour une image  4">
             <a:extLst>
               <a:ext uri="{FF2B5EF4-FFF2-40B4-BE49-F238E27FC236}">
-                <a16:creationId xmlns="" xmlns:a16="http://schemas.microsoft.com/office/drawing/2014/main" id="{11DFD99F-CCC2-490B-9103-83A0C7B5BF9E}"/>
+                <a16:creationId xmlns:a16="http://schemas.microsoft.com/office/drawing/2014/main" xmlns="" id="{11DFD99F-CCC2-490B-9103-83A0C7B5BF9E}"/>
               </a:ext>
             </a:extLst>
           </p:cNvPr>
@@ -1778,7 +1778,7 @@
           <p:cNvPr id="21" name="Espace réservé du texte 7">
             <a:extLst>
               <a:ext uri="{FF2B5EF4-FFF2-40B4-BE49-F238E27FC236}">
-                <a16:creationId xmlns="" xmlns:a16="http://schemas.microsoft.com/office/drawing/2014/main" id="{105DF51F-34C2-49EC-92D0-D81C49BE61DF}"/>
+                <a16:creationId xmlns:a16="http://schemas.microsoft.com/office/drawing/2014/main" xmlns="" id="{105DF51F-34C2-49EC-92D0-D81C49BE61DF}"/>
               </a:ext>
             </a:extLst>
           </p:cNvPr>
@@ -1830,7 +1830,7 @@
           <p:cNvPr id="22" name="Connecteur droit 21">
             <a:extLst>
               <a:ext uri="{FF2B5EF4-FFF2-40B4-BE49-F238E27FC236}">
-                <a16:creationId xmlns="" xmlns:a16="http://schemas.microsoft.com/office/drawing/2014/main" id="{A75A8DBD-F5B7-405E-B653-6D5F7E42EB8D}"/>
+                <a16:creationId xmlns:a16="http://schemas.microsoft.com/office/drawing/2014/main" xmlns="" id="{A75A8DBD-F5B7-405E-B653-6D5F7E42EB8D}"/>
               </a:ext>
             </a:extLst>
           </p:cNvPr>
@@ -1871,7 +1871,7 @@
           <p:cNvPr id="23" name="Espace réservé du texte 7">
             <a:extLst>
               <a:ext uri="{FF2B5EF4-FFF2-40B4-BE49-F238E27FC236}">
-                <a16:creationId xmlns="" xmlns:a16="http://schemas.microsoft.com/office/drawing/2014/main" id="{A402FF8C-DB59-4608-B517-7FD56431411A}"/>
+                <a16:creationId xmlns:a16="http://schemas.microsoft.com/office/drawing/2014/main" xmlns="" id="{A402FF8C-DB59-4608-B517-7FD56431411A}"/>
               </a:ext>
             </a:extLst>
           </p:cNvPr>
@@ -1923,7 +1923,7 @@
           <p:cNvPr id="24" name="Connecteur droit 23">
             <a:extLst>
               <a:ext uri="{FF2B5EF4-FFF2-40B4-BE49-F238E27FC236}">
-                <a16:creationId xmlns="" xmlns:a16="http://schemas.microsoft.com/office/drawing/2014/main" id="{7D552D8A-671C-4599-8FC0-D56624B966E2}"/>
+                <a16:creationId xmlns:a16="http://schemas.microsoft.com/office/drawing/2014/main" xmlns="" id="{7D552D8A-671C-4599-8FC0-D56624B966E2}"/>
               </a:ext>
             </a:extLst>
           </p:cNvPr>
@@ -1964,7 +1964,7 @@
           <p:cNvPr id="25" name="Espace réservé pour une image  4">
             <a:extLst>
               <a:ext uri="{FF2B5EF4-FFF2-40B4-BE49-F238E27FC236}">
-                <a16:creationId xmlns="" xmlns:a16="http://schemas.microsoft.com/office/drawing/2014/main" id="{979E6621-7EBD-4E8A-9D3F-98667422C622}"/>
+                <a16:creationId xmlns:a16="http://schemas.microsoft.com/office/drawing/2014/main" xmlns="" id="{979E6621-7EBD-4E8A-9D3F-98667422C622}"/>
               </a:ext>
             </a:extLst>
           </p:cNvPr>
@@ -1998,7 +1998,7 @@
           <p:cNvPr id="26" name="Espace réservé pour une image  4">
             <a:extLst>
               <a:ext uri="{FF2B5EF4-FFF2-40B4-BE49-F238E27FC236}">
-                <a16:creationId xmlns="" xmlns:a16="http://schemas.microsoft.com/office/drawing/2014/main" id="{4EB9FABD-311A-46B5-803C-4468714878B6}"/>
+                <a16:creationId xmlns:a16="http://schemas.microsoft.com/office/drawing/2014/main" xmlns="" id="{4EB9FABD-311A-46B5-803C-4468714878B6}"/>
               </a:ext>
             </a:extLst>
           </p:cNvPr>
@@ -2032,7 +2032,7 @@
           <p:cNvPr id="27" name="Espace réservé du texte 7">
             <a:extLst>
               <a:ext uri="{FF2B5EF4-FFF2-40B4-BE49-F238E27FC236}">
-                <a16:creationId xmlns="" xmlns:a16="http://schemas.microsoft.com/office/drawing/2014/main" id="{B039882E-C7D2-4A10-8D17-525FEF966617}"/>
+                <a16:creationId xmlns:a16="http://schemas.microsoft.com/office/drawing/2014/main" xmlns="" id="{B039882E-C7D2-4A10-8D17-525FEF966617}"/>
               </a:ext>
             </a:extLst>
           </p:cNvPr>
@@ -2084,7 +2084,7 @@
           <p:cNvPr id="28" name="Connecteur droit 27">
             <a:extLst>
               <a:ext uri="{FF2B5EF4-FFF2-40B4-BE49-F238E27FC236}">
-                <a16:creationId xmlns="" xmlns:a16="http://schemas.microsoft.com/office/drawing/2014/main" id="{40312D7E-F5FE-4ADB-8526-4D9ED88C5C15}"/>
+                <a16:creationId xmlns:a16="http://schemas.microsoft.com/office/drawing/2014/main" xmlns="" id="{40312D7E-F5FE-4ADB-8526-4D9ED88C5C15}"/>
               </a:ext>
             </a:extLst>
           </p:cNvPr>
@@ -2125,7 +2125,7 @@
           <p:cNvPr id="29" name="Espace réservé du texte 7">
             <a:extLst>
               <a:ext uri="{FF2B5EF4-FFF2-40B4-BE49-F238E27FC236}">
-                <a16:creationId xmlns="" xmlns:a16="http://schemas.microsoft.com/office/drawing/2014/main" id="{6AD72B51-7D15-4502-B762-932C85FC8940}"/>
+                <a16:creationId xmlns:a16="http://schemas.microsoft.com/office/drawing/2014/main" xmlns="" id="{6AD72B51-7D15-4502-B762-932C85FC8940}"/>
               </a:ext>
             </a:extLst>
           </p:cNvPr>
@@ -2177,7 +2177,7 @@
           <p:cNvPr id="30" name="Connecteur droit 29">
             <a:extLst>
               <a:ext uri="{FF2B5EF4-FFF2-40B4-BE49-F238E27FC236}">
-                <a16:creationId xmlns="" xmlns:a16="http://schemas.microsoft.com/office/drawing/2014/main" id="{13D9F259-C0D9-40E4-B155-CD1D47C48F43}"/>
+                <a16:creationId xmlns:a16="http://schemas.microsoft.com/office/drawing/2014/main" xmlns="" id="{13D9F259-C0D9-40E4-B155-CD1D47C48F43}"/>
               </a:ext>
             </a:extLst>
           </p:cNvPr>
@@ -3979,7 +3979,7 @@
           <p:cNvPr id="2" name="Titre 1">
             <a:extLst>
               <a:ext uri="{FF2B5EF4-FFF2-40B4-BE49-F238E27FC236}">
-                <a16:creationId xmlns="" xmlns:a16="http://schemas.microsoft.com/office/drawing/2014/main" id="{9BDD946C-1F13-4F67-B8D1-64EF5CF71ABB}"/>
+                <a16:creationId xmlns:a16="http://schemas.microsoft.com/office/drawing/2014/main" xmlns="" id="{9BDD946C-1F13-4F67-B8D1-64EF5CF71ABB}"/>
               </a:ext>
             </a:extLst>
           </p:cNvPr>
@@ -4007,7 +4007,7 @@
           <p:cNvPr id="3" name="Espace réservé du numéro de diapositive 2">
             <a:extLst>
               <a:ext uri="{FF2B5EF4-FFF2-40B4-BE49-F238E27FC236}">
-                <a16:creationId xmlns="" xmlns:a16="http://schemas.microsoft.com/office/drawing/2014/main" id="{DC37902D-B358-44BD-9A3B-CD8E2882EA2D}"/>
+                <a16:creationId xmlns:a16="http://schemas.microsoft.com/office/drawing/2014/main" xmlns="" id="{DC37902D-B358-44BD-9A3B-CD8E2882EA2D}"/>
               </a:ext>
             </a:extLst>
           </p:cNvPr>
@@ -4051,7 +4051,7 @@
           <p:cNvPr id="4" name="Image 3">
             <a:extLst>
               <a:ext uri="{FF2B5EF4-FFF2-40B4-BE49-F238E27FC236}">
-                <a16:creationId xmlns="" xmlns:a16="http://schemas.microsoft.com/office/drawing/2014/main" id="{187ADA7C-03B8-49D0-A935-DE3625BD6FA7}"/>
+                <a16:creationId xmlns:a16="http://schemas.microsoft.com/office/drawing/2014/main" xmlns="" id="{187ADA7C-03B8-49D0-A935-DE3625BD6FA7}"/>
               </a:ext>
             </a:extLst>
           </p:cNvPr>
@@ -4087,7 +4087,7 @@
           <p:cNvPr id="15" name="Titre 4">
             <a:extLst>
               <a:ext uri="{FF2B5EF4-FFF2-40B4-BE49-F238E27FC236}">
-                <a16:creationId xmlns="" xmlns:a16="http://schemas.microsoft.com/office/drawing/2014/main" id="{72E9C4E7-2BF2-4AB8-9707-825FA5757113}"/>
+                <a16:creationId xmlns:a16="http://schemas.microsoft.com/office/drawing/2014/main" xmlns="" id="{72E9C4E7-2BF2-4AB8-9707-825FA5757113}"/>
               </a:ext>
             </a:extLst>
           </p:cNvPr>
@@ -4143,7 +4143,7 @@
           <p:cNvPr id="19" name="Espace réservé du contenu 18">
             <a:extLst>
               <a:ext uri="{FF2B5EF4-FFF2-40B4-BE49-F238E27FC236}">
-                <a16:creationId xmlns="" xmlns:a16="http://schemas.microsoft.com/office/drawing/2014/main" id="{E6D00721-9CE1-4CF1-AD6A-47E2B8CCCC48}"/>
+                <a16:creationId xmlns:a16="http://schemas.microsoft.com/office/drawing/2014/main" xmlns="" id="{E6D00721-9CE1-4CF1-AD6A-47E2B8CCCC48}"/>
               </a:ext>
             </a:extLst>
           </p:cNvPr>
@@ -5957,7 +5957,7 @@
           <p:cNvPr id="2" name="Titre 1">
             <a:extLst>
               <a:ext uri="{FF2B5EF4-FFF2-40B4-BE49-F238E27FC236}">
-                <a16:creationId xmlns="" xmlns:a16="http://schemas.microsoft.com/office/drawing/2014/main" id="{9BDD946C-1F13-4F67-B8D1-64EF5CF71ABB}"/>
+                <a16:creationId xmlns:a16="http://schemas.microsoft.com/office/drawing/2014/main" xmlns="" id="{9BDD946C-1F13-4F67-B8D1-64EF5CF71ABB}"/>
               </a:ext>
             </a:extLst>
           </p:cNvPr>
@@ -5985,7 +5985,7 @@
           <p:cNvPr id="3" name="Espace réservé du numéro de diapositive 2">
             <a:extLst>
               <a:ext uri="{FF2B5EF4-FFF2-40B4-BE49-F238E27FC236}">
-                <a16:creationId xmlns="" xmlns:a16="http://schemas.microsoft.com/office/drawing/2014/main" id="{DC37902D-B358-44BD-9A3B-CD8E2882EA2D}"/>
+                <a16:creationId xmlns:a16="http://schemas.microsoft.com/office/drawing/2014/main" xmlns="" id="{DC37902D-B358-44BD-9A3B-CD8E2882EA2D}"/>
               </a:ext>
             </a:extLst>
           </p:cNvPr>
@@ -6029,7 +6029,7 @@
           <p:cNvPr id="4" name="Image 3">
             <a:extLst>
               <a:ext uri="{FF2B5EF4-FFF2-40B4-BE49-F238E27FC236}">
-                <a16:creationId xmlns="" xmlns:a16="http://schemas.microsoft.com/office/drawing/2014/main" id="{187ADA7C-03B8-49D0-A935-DE3625BD6FA7}"/>
+                <a16:creationId xmlns:a16="http://schemas.microsoft.com/office/drawing/2014/main" xmlns="" id="{187ADA7C-03B8-49D0-A935-DE3625BD6FA7}"/>
               </a:ext>
             </a:extLst>
           </p:cNvPr>
@@ -6065,7 +6065,7 @@
           <p:cNvPr id="15" name="Titre 4">
             <a:extLst>
               <a:ext uri="{FF2B5EF4-FFF2-40B4-BE49-F238E27FC236}">
-                <a16:creationId xmlns="" xmlns:a16="http://schemas.microsoft.com/office/drawing/2014/main" id="{72E9C4E7-2BF2-4AB8-9707-825FA5757113}"/>
+                <a16:creationId xmlns:a16="http://schemas.microsoft.com/office/drawing/2014/main" xmlns="" id="{72E9C4E7-2BF2-4AB8-9707-825FA5757113}"/>
               </a:ext>
             </a:extLst>
           </p:cNvPr>
@@ -6121,7 +6121,7 @@
           <p:cNvPr id="19" name="Espace réservé du contenu 18">
             <a:extLst>
               <a:ext uri="{FF2B5EF4-FFF2-40B4-BE49-F238E27FC236}">
-                <a16:creationId xmlns="" xmlns:a16="http://schemas.microsoft.com/office/drawing/2014/main" id="{E6D00721-9CE1-4CF1-AD6A-47E2B8CCCC48}"/>
+                <a16:creationId xmlns:a16="http://schemas.microsoft.com/office/drawing/2014/main" xmlns="" id="{E6D00721-9CE1-4CF1-AD6A-47E2B8CCCC48}"/>
               </a:ext>
             </a:extLst>
           </p:cNvPr>
@@ -7194,7 +7194,7 @@
           <p:cNvPr id="2" name="Titre 1">
             <a:extLst>
               <a:ext uri="{FF2B5EF4-FFF2-40B4-BE49-F238E27FC236}">
-                <a16:creationId xmlns="" xmlns:a16="http://schemas.microsoft.com/office/drawing/2014/main" id="{48A0520F-F2B4-4144-B2A0-D31492DE5858}"/>
+                <a16:creationId xmlns:a16="http://schemas.microsoft.com/office/drawing/2014/main" xmlns="" id="{48A0520F-F2B4-4144-B2A0-D31492DE5858}"/>
               </a:ext>
             </a:extLst>
           </p:cNvPr>
@@ -7223,7 +7223,7 @@
           <p:cNvPr id="3" name="Espace réservé du numéro de diapositive 2">
             <a:extLst>
               <a:ext uri="{FF2B5EF4-FFF2-40B4-BE49-F238E27FC236}">
-                <a16:creationId xmlns="" xmlns:a16="http://schemas.microsoft.com/office/drawing/2014/main" id="{990C283F-3F6C-463B-B6FF-C5A1120E751C}"/>
+                <a16:creationId xmlns:a16="http://schemas.microsoft.com/office/drawing/2014/main" xmlns="" id="{990C283F-3F6C-463B-B6FF-C5A1120E751C}"/>
               </a:ext>
             </a:extLst>
           </p:cNvPr>
@@ -7267,7 +7267,7 @@
           <p:cNvPr id="16" name="Image 15">
             <a:extLst>
               <a:ext uri="{FF2B5EF4-FFF2-40B4-BE49-F238E27FC236}">
-                <a16:creationId xmlns="" xmlns:a16="http://schemas.microsoft.com/office/drawing/2014/main" id="{EA0235D1-1CA4-4813-8F9E-8EA6F5F92450}"/>
+                <a16:creationId xmlns:a16="http://schemas.microsoft.com/office/drawing/2014/main" xmlns="" id="{EA0235D1-1CA4-4813-8F9E-8EA6F5F92450}"/>
               </a:ext>
             </a:extLst>
           </p:cNvPr>
@@ -7303,7 +7303,7 @@
           <p:cNvPr id="27" name="Titre 4">
             <a:extLst>
               <a:ext uri="{FF2B5EF4-FFF2-40B4-BE49-F238E27FC236}">
-                <a16:creationId xmlns="" xmlns:a16="http://schemas.microsoft.com/office/drawing/2014/main" id="{9EB6429C-6B7C-4EE1-B9DC-E41E0338FCE4}"/>
+                <a16:creationId xmlns:a16="http://schemas.microsoft.com/office/drawing/2014/main" xmlns="" id="{9EB6429C-6B7C-4EE1-B9DC-E41E0338FCE4}"/>
               </a:ext>
             </a:extLst>
           </p:cNvPr>
@@ -7359,7 +7359,7 @@
           <p:cNvPr id="29" name="Espace réservé pour une image  28">
             <a:extLst>
               <a:ext uri="{FF2B5EF4-FFF2-40B4-BE49-F238E27FC236}">
-                <a16:creationId xmlns="" xmlns:a16="http://schemas.microsoft.com/office/drawing/2014/main" id="{00B39465-DFB6-4F0B-AD93-34B67A43F556}"/>
+                <a16:creationId xmlns:a16="http://schemas.microsoft.com/office/drawing/2014/main" xmlns="" id="{00B39465-DFB6-4F0B-AD93-34B67A43F556}"/>
               </a:ext>
             </a:extLst>
           </p:cNvPr>
@@ -7393,7 +7393,7 @@
           <p:cNvPr id="31" name="Espace réservé pour une image  30">
             <a:extLst>
               <a:ext uri="{FF2B5EF4-FFF2-40B4-BE49-F238E27FC236}">
-                <a16:creationId xmlns="" xmlns:a16="http://schemas.microsoft.com/office/drawing/2014/main" id="{05215E8A-C584-469C-8777-F84DF88AD457}"/>
+                <a16:creationId xmlns:a16="http://schemas.microsoft.com/office/drawing/2014/main" xmlns="" id="{05215E8A-C584-469C-8777-F84DF88AD457}"/>
               </a:ext>
             </a:extLst>
           </p:cNvPr>
@@ -7427,7 +7427,7 @@
           <p:cNvPr id="33" name="Espace réservé pour une image  32">
             <a:extLst>
               <a:ext uri="{FF2B5EF4-FFF2-40B4-BE49-F238E27FC236}">
-                <a16:creationId xmlns="" xmlns:a16="http://schemas.microsoft.com/office/drawing/2014/main" id="{F295F236-0258-44BD-A085-BC26E990060E}"/>
+                <a16:creationId xmlns:a16="http://schemas.microsoft.com/office/drawing/2014/main" xmlns="" id="{F295F236-0258-44BD-A085-BC26E990060E}"/>
               </a:ext>
             </a:extLst>
           </p:cNvPr>
@@ -7461,7 +7461,7 @@
           <p:cNvPr id="35" name="Espace réservé pour une image  34">
             <a:extLst>
               <a:ext uri="{FF2B5EF4-FFF2-40B4-BE49-F238E27FC236}">
-                <a16:creationId xmlns="" xmlns:a16="http://schemas.microsoft.com/office/drawing/2014/main" id="{10F23775-F583-446B-ADBA-A32E31D6D2FB}"/>
+                <a16:creationId xmlns:a16="http://schemas.microsoft.com/office/drawing/2014/main" xmlns="" id="{10F23775-F583-446B-ADBA-A32E31D6D2FB}"/>
               </a:ext>
             </a:extLst>
           </p:cNvPr>
@@ -7495,7 +7495,7 @@
           <p:cNvPr id="37" name="Espace réservé pour une image  36">
             <a:extLst>
               <a:ext uri="{FF2B5EF4-FFF2-40B4-BE49-F238E27FC236}">
-                <a16:creationId xmlns="" xmlns:a16="http://schemas.microsoft.com/office/drawing/2014/main" id="{CBB53359-B79D-4793-A0BA-531D16C92DB5}"/>
+                <a16:creationId xmlns:a16="http://schemas.microsoft.com/office/drawing/2014/main" xmlns="" id="{CBB53359-B79D-4793-A0BA-531D16C92DB5}"/>
               </a:ext>
             </a:extLst>
           </p:cNvPr>
@@ -7529,7 +7529,7 @@
           <p:cNvPr id="39" name="Espace réservé pour une image  38">
             <a:extLst>
               <a:ext uri="{FF2B5EF4-FFF2-40B4-BE49-F238E27FC236}">
-                <a16:creationId xmlns="" xmlns:a16="http://schemas.microsoft.com/office/drawing/2014/main" id="{7629CC81-1DE8-42E7-8943-496B487C7A15}"/>
+                <a16:creationId xmlns:a16="http://schemas.microsoft.com/office/drawing/2014/main" xmlns="" id="{7629CC81-1DE8-42E7-8943-496B487C7A15}"/>
               </a:ext>
             </a:extLst>
           </p:cNvPr>
@@ -7563,7 +7563,7 @@
           <p:cNvPr id="41" name="Espace réservé pour une image  40">
             <a:extLst>
               <a:ext uri="{FF2B5EF4-FFF2-40B4-BE49-F238E27FC236}">
-                <a16:creationId xmlns="" xmlns:a16="http://schemas.microsoft.com/office/drawing/2014/main" id="{3D9A0616-6187-42B8-A49C-5704495AFA0F}"/>
+                <a16:creationId xmlns:a16="http://schemas.microsoft.com/office/drawing/2014/main" xmlns="" id="{3D9A0616-6187-42B8-A49C-5704495AFA0F}"/>
               </a:ext>
             </a:extLst>
           </p:cNvPr>
@@ -7597,7 +7597,7 @@
           <p:cNvPr id="43" name="Espace réservé pour une image  42">
             <a:extLst>
               <a:ext uri="{FF2B5EF4-FFF2-40B4-BE49-F238E27FC236}">
-                <a16:creationId xmlns="" xmlns:a16="http://schemas.microsoft.com/office/drawing/2014/main" id="{10BA3FEF-381F-4AA8-9215-136F5361141D}"/>
+                <a16:creationId xmlns:a16="http://schemas.microsoft.com/office/drawing/2014/main" xmlns="" id="{10BA3FEF-381F-4AA8-9215-136F5361141D}"/>
               </a:ext>
             </a:extLst>
           </p:cNvPr>
@@ -7631,7 +7631,7 @@
           <p:cNvPr id="45" name="Espace réservé pour une image  44">
             <a:extLst>
               <a:ext uri="{FF2B5EF4-FFF2-40B4-BE49-F238E27FC236}">
-                <a16:creationId xmlns="" xmlns:a16="http://schemas.microsoft.com/office/drawing/2014/main" id="{8FD27BC5-345B-4477-941A-3575E8185B4F}"/>
+                <a16:creationId xmlns:a16="http://schemas.microsoft.com/office/drawing/2014/main" xmlns="" id="{8FD27BC5-345B-4477-941A-3575E8185B4F}"/>
               </a:ext>
             </a:extLst>
           </p:cNvPr>
@@ -7695,7 +7695,7 @@
           <p:cNvPr id="2" name="Titre 1">
             <a:extLst>
               <a:ext uri="{FF2B5EF4-FFF2-40B4-BE49-F238E27FC236}">
-                <a16:creationId xmlns="" xmlns:a16="http://schemas.microsoft.com/office/drawing/2014/main" id="{9BDD946C-1F13-4F67-B8D1-64EF5CF71ABB}"/>
+                <a16:creationId xmlns:a16="http://schemas.microsoft.com/office/drawing/2014/main" xmlns="" id="{9BDD946C-1F13-4F67-B8D1-64EF5CF71ABB}"/>
               </a:ext>
             </a:extLst>
           </p:cNvPr>
@@ -7724,7 +7724,7 @@
           <p:cNvPr id="3" name="Espace réservé du numéro de diapositive 2">
             <a:extLst>
               <a:ext uri="{FF2B5EF4-FFF2-40B4-BE49-F238E27FC236}">
-                <a16:creationId xmlns="" xmlns:a16="http://schemas.microsoft.com/office/drawing/2014/main" id="{DC37902D-B358-44BD-9A3B-CD8E2882EA2D}"/>
+                <a16:creationId xmlns:a16="http://schemas.microsoft.com/office/drawing/2014/main" xmlns="" id="{DC37902D-B358-44BD-9A3B-CD8E2882EA2D}"/>
               </a:ext>
             </a:extLst>
           </p:cNvPr>
@@ -7768,7 +7768,7 @@
           <p:cNvPr id="4" name="Image 3">
             <a:extLst>
               <a:ext uri="{FF2B5EF4-FFF2-40B4-BE49-F238E27FC236}">
-                <a16:creationId xmlns="" xmlns:a16="http://schemas.microsoft.com/office/drawing/2014/main" id="{187ADA7C-03B8-49D0-A935-DE3625BD6FA7}"/>
+                <a16:creationId xmlns:a16="http://schemas.microsoft.com/office/drawing/2014/main" xmlns="" id="{187ADA7C-03B8-49D0-A935-DE3625BD6FA7}"/>
               </a:ext>
             </a:extLst>
           </p:cNvPr>
@@ -7804,7 +7804,7 @@
           <p:cNvPr id="15" name="Titre 4">
             <a:extLst>
               <a:ext uri="{FF2B5EF4-FFF2-40B4-BE49-F238E27FC236}">
-                <a16:creationId xmlns="" xmlns:a16="http://schemas.microsoft.com/office/drawing/2014/main" id="{72E9C4E7-2BF2-4AB8-9707-825FA5757113}"/>
+                <a16:creationId xmlns:a16="http://schemas.microsoft.com/office/drawing/2014/main" xmlns="" id="{72E9C4E7-2BF2-4AB8-9707-825FA5757113}"/>
               </a:ext>
             </a:extLst>
           </p:cNvPr>
@@ -7860,7 +7860,7 @@
           <p:cNvPr id="19" name="Espace réservé du contenu 18">
             <a:extLst>
               <a:ext uri="{FF2B5EF4-FFF2-40B4-BE49-F238E27FC236}">
-                <a16:creationId xmlns="" xmlns:a16="http://schemas.microsoft.com/office/drawing/2014/main" id="{E6D00721-9CE1-4CF1-AD6A-47E2B8CCCC48}"/>
+                <a16:creationId xmlns:a16="http://schemas.microsoft.com/office/drawing/2014/main" xmlns="" id="{E6D00721-9CE1-4CF1-AD6A-47E2B8CCCC48}"/>
               </a:ext>
             </a:extLst>
           </p:cNvPr>
@@ -12408,7 +12408,7 @@
         </p:nvCxnSpPr>
         <p:spPr>
           <a:xfrm>
-            <a:off x="558801" y="4740572"/>
+            <a:off x="558801" y="4645474"/>
             <a:ext cx="8117840" cy="0"/>
           </a:xfrm>
           <a:prstGeom prst="line">
@@ -13453,7 +13453,7 @@
   <a:extraClrSchemeLst/>
   <a:extLst>
     <a:ext uri="{05A4C25C-085E-4340-85A3-A5531E510DB2}">
-      <thm15:themeFamily xmlns="" xmlns:thm15="http://schemas.microsoft.com/office/thememl/2012/main" name="Template PP CEA 4-3.pptx" id="{017B0BBD-D478-416D-9408-C3E5553B88B8}" vid="{9A88B8C1-4942-46D3-9391-C2B501F07E87}"/>
+      <thm15:themeFamily xmlns:thm15="http://schemas.microsoft.com/office/thememl/2012/main" xmlns="" name="Template PP CEA 4-3.pptx" id="{017B0BBD-D478-416D-9408-C3E5553B88B8}" vid="{9A88B8C1-4942-46D3-9391-C2B501F07E87}"/>
     </a:ext>
   </a:extLst>
 </a:theme>
@@ -13668,7 +13668,7 @@
   <a:extraClrSchemeLst/>
   <a:extLst>
     <a:ext uri="{05A4C25C-085E-4340-85A3-A5531E510DB2}">
-      <thm15:themeFamily xmlns="" xmlns:thm15="http://schemas.microsoft.com/office/thememl/2012/main" name="Template PP CEA 4-3.pptx" id="{017B0BBD-D478-416D-9408-C3E5553B88B8}" vid="{52A1E219-64F3-4477-912D-9636D70C98A7}"/>
+      <thm15:themeFamily xmlns:thm15="http://schemas.microsoft.com/office/thememl/2012/main" xmlns="" name="Template PP CEA 4-3.pptx" id="{017B0BBD-D478-416D-9408-C3E5553B88B8}" vid="{52A1E219-64F3-4477-912D-9636D70C98A7}"/>
     </a:ext>
   </a:extLst>
 </a:theme>
@@ -13883,7 +13883,7 @@
   <a:extraClrSchemeLst/>
   <a:extLst>
     <a:ext uri="{05A4C25C-085E-4340-85A3-A5531E510DB2}">
-      <thm15:themeFamily xmlns="" xmlns:thm15="http://schemas.microsoft.com/office/thememl/2012/main" name="Template PP CEA 4-3.pptx" id="{017B0BBD-D478-416D-9408-C3E5553B88B8}" vid="{0799EC0F-9A1D-48A9-9692-520D5CEBB494}"/>
+      <thm15:themeFamily xmlns:thm15="http://schemas.microsoft.com/office/thememl/2012/main" xmlns="" name="Template PP CEA 4-3.pptx" id="{017B0BBD-D478-416D-9408-C3E5553B88B8}" vid="{0799EC0F-9A1D-48A9-9692-520D5CEBB494}"/>
     </a:ext>
   </a:extLst>
 </a:theme>
@@ -14178,7 +14178,7 @@
   <a:extraClrSchemeLst/>
   <a:extLst>
     <a:ext uri="{05A4C25C-085E-4340-85A3-A5531E510DB2}">
-      <thm15:themeFamily xmlns="" xmlns:thm15="http://schemas.microsoft.com/office/thememl/2012/main" name="Office Theme" id="{62F939B6-93AF-4DB8-9C6B-D6C7DFDC589F}" vid="{4A3C46E8-61CC-4603-A589-7422A47A8E4A}"/>
+      <thm15:themeFamily xmlns:thm15="http://schemas.microsoft.com/office/thememl/2012/main" xmlns="" name="Office Theme" id="{62F939B6-93AF-4DB8-9C6B-D6C7DFDC589F}" vid="{4A3C46E8-61CC-4603-A589-7422A47A8E4A}"/>
     </a:ext>
   </a:extLst>
 </a:theme>
@@ -14473,13 +14473,28 @@
   <a:extraClrSchemeLst/>
   <a:extLst>
     <a:ext uri="{05A4C25C-085E-4340-85A3-A5531E510DB2}">
-      <thm15:themeFamily xmlns="" xmlns:thm15="http://schemas.microsoft.com/office/thememl/2012/main" name="Office Theme" id="{62F939B6-93AF-4DB8-9C6B-D6C7DFDC589F}" vid="{4A3C46E8-61CC-4603-A589-7422A47A8E4A}"/>
+      <thm15:themeFamily xmlns:thm15="http://schemas.microsoft.com/office/thememl/2012/main" xmlns="" name="Office Theme" id="{62F939B6-93AF-4DB8-9C6B-D6C7DFDC589F}" vid="{4A3C46E8-61CC-4603-A589-7422A47A8E4A}"/>
     </a:ext>
   </a:extLst>
 </a:theme>
 </file>
 
 <file path=customXml/item1.xml><?xml version="1.0" encoding="utf-8"?>
+<p:properties xmlns:p="http://schemas.microsoft.com/office/2006/metadata/properties" xmlns:xsi="http://www.w3.org/2001/XMLSchema-instance" xmlns:pc="http://schemas.microsoft.com/office/infopath/2007/PartnerControls">
+  <documentManagement/>
+</p:properties>
+</file>
+
+<file path=customXml/item2.xml><?xml version="1.0" encoding="utf-8"?>
+<?mso-contentType ?>
+<FormTemplates xmlns="http://schemas.microsoft.com/sharepoint/v3/contenttype/forms">
+  <Display>DocumentLibraryForm</Display>
+  <Edit>DocumentLibraryForm</Edit>
+  <New>DocumentLibraryForm</New>
+</FormTemplates>
+</file>
+
+<file path=customXml/item3.xml><?xml version="1.0" encoding="utf-8"?>
 <ct:contentTypeSchema xmlns:ct="http://schemas.microsoft.com/office/2006/metadata/contentType" xmlns:ma="http://schemas.microsoft.com/office/2006/metadata/properties/metaAttributes" ct:_="" ma:_="" ma:contentTypeName="Document" ma:contentTypeID="0x010100362F2A79C4BED747976EC3AD530384C1" ma:contentTypeVersion="0" ma:contentTypeDescription="Crée un document." ma:contentTypeScope="" ma:versionID="9ea4ffbb61354172aceb879db3e26537">
   <xsd:schema xmlns:xsd="http://www.w3.org/2001/XMLSchema" xmlns:xs="http://www.w3.org/2001/XMLSchema" xmlns:p="http://schemas.microsoft.com/office/2006/metadata/properties" targetNamespace="http://schemas.microsoft.com/office/2006/metadata/properties" ma:root="true" ma:fieldsID="ab09c1ba23edfaa45a5e9d385267c9b5">
     <xsd:element name="properties">
@@ -14593,22 +14608,30 @@
 </ct:contentTypeSchema>
 </file>
 
-<file path=customXml/item2.xml><?xml version="1.0" encoding="utf-8"?>
-<?mso-contentType ?>
-<FormTemplates xmlns="http://schemas.microsoft.com/sharepoint/v3/contenttype/forms">
-  <Display>DocumentLibraryForm</Display>
-  <Edit>DocumentLibraryForm</Edit>
-  <New>DocumentLibraryForm</New>
-</FormTemplates>
+<file path=customXml/itemProps1.xml><?xml version="1.0" encoding="utf-8"?>
+<ds:datastoreItem xmlns:ds="http://schemas.openxmlformats.org/officeDocument/2006/customXml" ds:itemID="{C4B0D5B4-4CC6-4497-9BFB-91C4C64EBEC9}">
+  <ds:schemaRefs>
+    <ds:schemaRef ds:uri="http://schemas.microsoft.com/office/2006/documentManagement/types"/>
+    <ds:schemaRef ds:uri="http://purl.org/dc/dcmitype/"/>
+    <ds:schemaRef ds:uri="http://purl.org/dc/terms/"/>
+    <ds:schemaRef ds:uri="http://purl.org/dc/elements/1.1/"/>
+    <ds:schemaRef ds:uri="http://schemas.microsoft.com/office/infopath/2007/PartnerControls"/>
+    <ds:schemaRef ds:uri="http://www.w3.org/XML/1998/namespace"/>
+    <ds:schemaRef ds:uri="http://schemas.microsoft.com/office/2006/metadata/properties"/>
+    <ds:schemaRef ds:uri="http://schemas.openxmlformats.org/package/2006/metadata/core-properties"/>
+  </ds:schemaRefs>
+</ds:datastoreItem>
 </file>
 
-<file path=customXml/item3.xml><?xml version="1.0" encoding="utf-8"?>
-<p:properties xmlns:p="http://schemas.microsoft.com/office/2006/metadata/properties" xmlns:xsi="http://www.w3.org/2001/XMLSchema-instance" xmlns:pc="http://schemas.microsoft.com/office/infopath/2007/PartnerControls">
-  <documentManagement/>
-</p:properties>
+<file path=customXml/itemProps2.xml><?xml version="1.0" encoding="utf-8"?>
+<ds:datastoreItem xmlns:ds="http://schemas.openxmlformats.org/officeDocument/2006/customXml" ds:itemID="{5B95E45C-96CD-4B8B-A608-7C5E76B37C4F}">
+  <ds:schemaRefs>
+    <ds:schemaRef ds:uri="http://schemas.microsoft.com/sharepoint/v3/contenttype/forms"/>
+  </ds:schemaRefs>
+</ds:datastoreItem>
 </file>
 
-<file path=customXml/itemProps1.xml><?xml version="1.0" encoding="utf-8"?>
+<file path=customXml/itemProps3.xml><?xml version="1.0" encoding="utf-8"?>
 <ds:datastoreItem xmlns:ds="http://schemas.openxmlformats.org/officeDocument/2006/customXml" ds:itemID="{866C4233-EA21-4292-B391-09F7550CF5BF}">
   <ds:schemaRefs>
     <ds:schemaRef ds:uri="http://schemas.microsoft.com/office/2006/metadata/contentType"/>
@@ -14622,27 +14645,4 @@
     <ds:schemaRef ds:uri="http://schemas.microsoft.com/office/infopath/2007/PartnerControls"/>
   </ds:schemaRefs>
 </ds:datastoreItem>
-</file>
-
-<file path=customXml/itemProps2.xml><?xml version="1.0" encoding="utf-8"?>
-<ds:datastoreItem xmlns:ds="http://schemas.openxmlformats.org/officeDocument/2006/customXml" ds:itemID="{5B95E45C-96CD-4B8B-A608-7C5E76B37C4F}">
-  <ds:schemaRefs>
-    <ds:schemaRef ds:uri="http://schemas.microsoft.com/sharepoint/v3/contenttype/forms"/>
-  </ds:schemaRefs>
-</ds:datastoreItem>
-</file>
-
-<file path=customXml/itemProps3.xml><?xml version="1.0" encoding="utf-8"?>
-<ds:datastoreItem xmlns:ds="http://schemas.openxmlformats.org/officeDocument/2006/customXml" ds:itemID="{C4B0D5B4-4CC6-4497-9BFB-91C4C64EBEC9}">
-  <ds:schemaRefs>
-    <ds:schemaRef ds:uri="http://schemas.microsoft.com/office/2006/documentManagement/types"/>
-    <ds:schemaRef ds:uri="http://purl.org/dc/dcmitype/"/>
-    <ds:schemaRef ds:uri="http://purl.org/dc/terms/"/>
-    <ds:schemaRef ds:uri="http://purl.org/dc/elements/1.1/"/>
-    <ds:schemaRef ds:uri="http://schemas.microsoft.com/office/infopath/2007/PartnerControls"/>
-    <ds:schemaRef ds:uri="http://www.w3.org/XML/1998/namespace"/>
-    <ds:schemaRef ds:uri="http://schemas.microsoft.com/office/2006/metadata/properties"/>
-    <ds:schemaRef ds:uri="http://schemas.openxmlformats.org/package/2006/metadata/core-properties"/>
-  </ds:schemaRefs>
-</ds:datastoreItem>
 </file>